--- a/Presentation.pptx
+++ b/Presentation.pptx
@@ -6,7 +6,15 @@
   </p:sldMasterIdLst>
   <p:sldIdLst>
     <p:sldId id="256" r:id="rId2"/>
-    <p:sldId id="257" r:id="rId3"/>
+    <p:sldId id="258" r:id="rId3"/>
+    <p:sldId id="259" r:id="rId4"/>
+    <p:sldId id="257" r:id="rId5"/>
+    <p:sldId id="260" r:id="rId6"/>
+    <p:sldId id="261" r:id="rId7"/>
+    <p:sldId id="262" r:id="rId8"/>
+    <p:sldId id="263" r:id="rId9"/>
+    <p:sldId id="264" r:id="rId10"/>
+    <p:sldId id="265" r:id="rId11"/>
   </p:sldIdLst>
   <p:sldSz cx="12192000" cy="6858000"/>
   <p:notesSz cx="6858000" cy="9144000"/>
@@ -105,6 +113,11 @@
       </a:defRPr>
     </a:lvl9pPr>
   </p:defaultTextStyle>
+  <p:extLst>
+    <p:ext uri="{EFAFB233-063F-42B5-8137-9DF3F51BA10A}">
+      <p15:sldGuideLst xmlns:p15="http://schemas.microsoft.com/office/powerpoint/2012/main"/>
+    </p:ext>
+  </p:extLst>
 </p:presentation>
 </file>
 
@@ -255,7 +268,7 @@
           <a:p>
             <a:fld id="{6BA57916-DF66-4AA4-BC5D-2EA46E93B2DC}" type="datetimeFigureOut">
               <a:rPr lang="ru-RU" smtClean="0"/>
-              <a:t>31.05.2021</a:t>
+              <a:t>01.06.2021</a:t>
             </a:fld>
             <a:endParaRPr lang="ru-RU"/>
           </a:p>
@@ -453,7 +466,7 @@
           <a:p>
             <a:fld id="{6BA57916-DF66-4AA4-BC5D-2EA46E93B2DC}" type="datetimeFigureOut">
               <a:rPr lang="ru-RU" smtClean="0"/>
-              <a:t>31.05.2021</a:t>
+              <a:t>01.06.2021</a:t>
             </a:fld>
             <a:endParaRPr lang="ru-RU"/>
           </a:p>
@@ -661,7 +674,7 @@
           <a:p>
             <a:fld id="{6BA57916-DF66-4AA4-BC5D-2EA46E93B2DC}" type="datetimeFigureOut">
               <a:rPr lang="ru-RU" smtClean="0"/>
-              <a:t>31.05.2021</a:t>
+              <a:t>01.06.2021</a:t>
             </a:fld>
             <a:endParaRPr lang="ru-RU"/>
           </a:p>
@@ -859,7 +872,7 @@
           <a:p>
             <a:fld id="{6BA57916-DF66-4AA4-BC5D-2EA46E93B2DC}" type="datetimeFigureOut">
               <a:rPr lang="ru-RU" smtClean="0"/>
-              <a:t>31.05.2021</a:t>
+              <a:t>01.06.2021</a:t>
             </a:fld>
             <a:endParaRPr lang="ru-RU"/>
           </a:p>
@@ -1134,7 +1147,7 @@
           <a:p>
             <a:fld id="{6BA57916-DF66-4AA4-BC5D-2EA46E93B2DC}" type="datetimeFigureOut">
               <a:rPr lang="ru-RU" smtClean="0"/>
-              <a:t>31.05.2021</a:t>
+              <a:t>01.06.2021</a:t>
             </a:fld>
             <a:endParaRPr lang="ru-RU"/>
           </a:p>
@@ -1399,7 +1412,7 @@
           <a:p>
             <a:fld id="{6BA57916-DF66-4AA4-BC5D-2EA46E93B2DC}" type="datetimeFigureOut">
               <a:rPr lang="ru-RU" smtClean="0"/>
-              <a:t>31.05.2021</a:t>
+              <a:t>01.06.2021</a:t>
             </a:fld>
             <a:endParaRPr lang="ru-RU"/>
           </a:p>
@@ -1811,7 +1824,7 @@
           <a:p>
             <a:fld id="{6BA57916-DF66-4AA4-BC5D-2EA46E93B2DC}" type="datetimeFigureOut">
               <a:rPr lang="ru-RU" smtClean="0"/>
-              <a:t>31.05.2021</a:t>
+              <a:t>01.06.2021</a:t>
             </a:fld>
             <a:endParaRPr lang="ru-RU"/>
           </a:p>
@@ -1952,7 +1965,7 @@
           <a:p>
             <a:fld id="{6BA57916-DF66-4AA4-BC5D-2EA46E93B2DC}" type="datetimeFigureOut">
               <a:rPr lang="ru-RU" smtClean="0"/>
-              <a:t>31.05.2021</a:t>
+              <a:t>01.06.2021</a:t>
             </a:fld>
             <a:endParaRPr lang="ru-RU"/>
           </a:p>
@@ -2065,7 +2078,7 @@
           <a:p>
             <a:fld id="{6BA57916-DF66-4AA4-BC5D-2EA46E93B2DC}" type="datetimeFigureOut">
               <a:rPr lang="ru-RU" smtClean="0"/>
-              <a:t>31.05.2021</a:t>
+              <a:t>01.06.2021</a:t>
             </a:fld>
             <a:endParaRPr lang="ru-RU"/>
           </a:p>
@@ -2376,7 +2389,7 @@
           <a:p>
             <a:fld id="{6BA57916-DF66-4AA4-BC5D-2EA46E93B2DC}" type="datetimeFigureOut">
               <a:rPr lang="ru-RU" smtClean="0"/>
-              <a:t>31.05.2021</a:t>
+              <a:t>01.06.2021</a:t>
             </a:fld>
             <a:endParaRPr lang="ru-RU"/>
           </a:p>
@@ -2664,7 +2677,7 @@
           <a:p>
             <a:fld id="{6BA57916-DF66-4AA4-BC5D-2EA46E93B2DC}" type="datetimeFigureOut">
               <a:rPr lang="ru-RU" smtClean="0"/>
-              <a:t>31.05.2021</a:t>
+              <a:t>01.06.2021</a:t>
             </a:fld>
             <a:endParaRPr lang="ru-RU"/>
           </a:p>
@@ -2741,9 +2754,12 @@
 <p:sldMaster xmlns:a="http://schemas.openxmlformats.org/drawingml/2006/main" xmlns:r="http://schemas.openxmlformats.org/officeDocument/2006/relationships" xmlns:p="http://schemas.openxmlformats.org/presentationml/2006/main">
   <p:cSld>
     <p:bg>
-      <p:bgRef idx="1001">
-        <a:schemeClr val="bg1"/>
-      </p:bgRef>
+      <p:bgPr>
+        <a:solidFill>
+          <a:srgbClr val="2E3448"/>
+        </a:solidFill>
+        <a:effectLst/>
+      </p:bgPr>
     </p:bg>
     <p:spTree>
       <p:nvGrpSpPr>
@@ -2905,7 +2921,7 @@
           <a:p>
             <a:fld id="{6BA57916-DF66-4AA4-BC5D-2EA46E93B2DC}" type="datetimeFigureOut">
               <a:rPr lang="ru-RU" smtClean="0"/>
-              <a:t>31.05.2021</a:t>
+              <a:t>01.06.2021</a:t>
             </a:fld>
             <a:endParaRPr lang="ru-RU"/>
           </a:p>
@@ -3338,31 +3354,41 @@
             <p:ph type="ctrTitle"/>
           </p:nvPr>
         </p:nvSpPr>
-        <p:spPr/>
+        <p:spPr>
+          <a:xfrm>
+            <a:off x="1178688" y="751975"/>
+            <a:ext cx="10314973" cy="1551389"/>
+          </a:xfrm>
+        </p:spPr>
         <p:txBody>
           <a:bodyPr>
-            <a:normAutofit fontScale="90000"/>
+            <a:normAutofit/>
           </a:bodyPr>
           <a:lstStyle/>
           <a:p>
-            <a:r>
-              <a:rPr lang="ru-RU" dirty="0"/>
-              <a:t>Разработка </a:t>
-            </a:r>
-            <a:r>
-              <a:rPr lang="en-US" dirty="0"/>
-              <a:t>Android-</a:t>
-            </a:r>
-            <a:r>
-              <a:rPr lang="ru-RU" dirty="0"/>
-              <a:t>приложения для генерации красивых </a:t>
-            </a:r>
-            <a:r>
-              <a:rPr lang="en-US" dirty="0"/>
+            <a:pPr algn="l"/>
+            <a:r>
+              <a:rPr lang="ru-RU" sz="4800" b="1" dirty="0">
+                <a:solidFill>
+                  <a:schemeClr val="bg1"/>
+                </a:solidFill>
+              </a:rPr>
+              <a:t>Разработка мобильного приложения для генерации красивых </a:t>
+            </a:r>
+            <a:r>
+              <a:rPr lang="en-US" sz="4800" b="1" dirty="0">
+                <a:solidFill>
+                  <a:schemeClr val="bg1"/>
+                </a:solidFill>
+              </a:rPr>
               <a:t>QR</a:t>
             </a:r>
             <a:r>
-              <a:rPr lang="ru-RU" dirty="0"/>
+              <a:rPr lang="ru-RU" sz="4800" b="1" dirty="0">
+                <a:solidFill>
+                  <a:schemeClr val="bg1"/>
+                </a:solidFill>
+              </a:rPr>
               <a:t>-кодов</a:t>
             </a:r>
           </a:p>
@@ -3384,19 +3410,265 @@
             <p:ph type="subTitle" idx="1"/>
           </p:nvPr>
         </p:nvSpPr>
-        <p:spPr/>
-        <p:txBody>
-          <a:bodyPr/>
+        <p:spPr>
+          <a:xfrm>
+            <a:off x="4363659" y="3282183"/>
+            <a:ext cx="6815560" cy="3009417"/>
+          </a:xfrm>
+        </p:spPr>
+        <p:txBody>
+          <a:bodyPr>
+            <a:normAutofit/>
+          </a:bodyPr>
           <a:lstStyle/>
           <a:p>
-            <a:endParaRPr lang="ru-RU"/>
-          </a:p>
-        </p:txBody>
-      </p:sp>
+            <a:pPr algn="l">
+              <a:lnSpc>
+                <a:spcPct val="100000"/>
+              </a:lnSpc>
+              <a:spcBef>
+                <a:spcPts val="1800"/>
+              </a:spcBef>
+            </a:pPr>
+            <a:r>
+              <a:rPr lang="ru-RU" sz="2400" dirty="0">
+                <a:solidFill>
+                  <a:schemeClr val="bg1"/>
+                </a:solidFill>
+              </a:rPr>
+              <a:t>Исполнитель: Рогожкин Егор Захарович</a:t>
+            </a:r>
+            <a:br>
+              <a:rPr lang="ru-RU" sz="2400" dirty="0">
+                <a:solidFill>
+                  <a:schemeClr val="bg1"/>
+                </a:solidFill>
+              </a:rPr>
+            </a:br>
+            <a:r>
+              <a:rPr lang="ru-RU" sz="2400" dirty="0">
+                <a:solidFill>
+                  <a:schemeClr val="bg1"/>
+                </a:solidFill>
+              </a:rPr>
+              <a:t>ученик 10 класса, школа №1533 «ЛИТ»</a:t>
+            </a:r>
+          </a:p>
+          <a:p>
+            <a:pPr algn="l">
+              <a:lnSpc>
+                <a:spcPct val="100000"/>
+              </a:lnSpc>
+              <a:spcBef>
+                <a:spcPts val="1800"/>
+              </a:spcBef>
+            </a:pPr>
+            <a:r>
+              <a:rPr lang="ru-RU" sz="2400" dirty="0">
+                <a:solidFill>
+                  <a:schemeClr val="bg1"/>
+                </a:solidFill>
+              </a:rPr>
+              <a:t>Руководитель: Егоров Дмитрий Сергеевич</a:t>
+            </a:r>
+            <a:br>
+              <a:rPr lang="ru-RU" sz="2400" dirty="0">
+                <a:solidFill>
+                  <a:schemeClr val="bg1"/>
+                </a:solidFill>
+              </a:rPr>
+            </a:br>
+            <a:r>
+              <a:rPr lang="ru-RU" sz="2400" dirty="0">
+                <a:solidFill>
+                  <a:schemeClr val="bg1"/>
+                </a:solidFill>
+              </a:rPr>
+              <a:t>техник, Учебно-исследовательская лаборатория функциональной безопасности космических аппаратов и систем НИУ ВШЭ</a:t>
+            </a:r>
+          </a:p>
+        </p:txBody>
+      </p:sp>
+      <p:pic>
+        <p:nvPicPr>
+          <p:cNvPr id="11" name="Рисунок 10">
+            <a:extLst>
+              <a:ext uri="{FF2B5EF4-FFF2-40B4-BE49-F238E27FC236}">
+                <a16:creationId xmlns:a16="http://schemas.microsoft.com/office/drawing/2014/main" id="{39AEC8CA-02E9-4C18-81C2-51C379AC9C2D}"/>
+              </a:ext>
+            </a:extLst>
+          </p:cNvPr>
+          <p:cNvPicPr>
+            <a:picLocks noChangeAspect="1"/>
+          </p:cNvPicPr>
+          <p:nvPr/>
+        </p:nvPicPr>
+        <p:blipFill>
+          <a:blip r:embed="rId2">
+            <a:extLst>
+              <a:ext uri="{28A0092B-C50C-407E-A947-70E740481C1C}">
+                <a14:useLocalDpi xmlns:a14="http://schemas.microsoft.com/office/drawing/2010/main" val="0"/>
+              </a:ext>
+            </a:extLst>
+          </a:blip>
+          <a:stretch>
+            <a:fillRect/>
+          </a:stretch>
+        </p:blipFill>
+        <p:spPr>
+          <a:xfrm>
+            <a:off x="1178688" y="3187860"/>
+            <a:ext cx="2826153" cy="2826153"/>
+          </a:xfrm>
+          <a:prstGeom prst="rect">
+            <a:avLst/>
+          </a:prstGeom>
+        </p:spPr>
+      </p:pic>
     </p:spTree>
     <p:extLst>
       <p:ext uri="{BB962C8B-B14F-4D97-AF65-F5344CB8AC3E}">
         <p14:creationId xmlns:p14="http://schemas.microsoft.com/office/powerpoint/2010/main" val="3115012450"/>
+      </p:ext>
+    </p:extLst>
+  </p:cSld>
+  <p:clrMapOvr>
+    <a:masterClrMapping/>
+  </p:clrMapOvr>
+</p:sld>
+</file>
+
+<file path=ppt/slides/slide10.xml><?xml version="1.0" encoding="utf-8"?>
+<p:sld xmlns:a="http://schemas.openxmlformats.org/drawingml/2006/main" xmlns:r="http://schemas.openxmlformats.org/officeDocument/2006/relationships" xmlns:p="http://schemas.openxmlformats.org/presentationml/2006/main">
+  <p:cSld>
+    <p:spTree>
+      <p:nvGrpSpPr>
+        <p:cNvPr id="1" name=""/>
+        <p:cNvGrpSpPr/>
+        <p:nvPr/>
+      </p:nvGrpSpPr>
+      <p:grpSpPr>
+        <a:xfrm>
+          <a:off x="0" y="0"/>
+          <a:ext cx="0" cy="0"/>
+          <a:chOff x="0" y="0"/>
+          <a:chExt cx="0" cy="0"/>
+        </a:xfrm>
+      </p:grpSpPr>
+      <p:sp>
+        <p:nvSpPr>
+          <p:cNvPr id="2" name="Заголовок 1">
+            <a:extLst>
+              <a:ext uri="{FF2B5EF4-FFF2-40B4-BE49-F238E27FC236}">
+                <a16:creationId xmlns:a16="http://schemas.microsoft.com/office/drawing/2014/main" id="{261E7B14-21F7-4B1B-B088-0F4A63979A35}"/>
+              </a:ext>
+            </a:extLst>
+          </p:cNvPr>
+          <p:cNvSpPr>
+            <a:spLocks noGrp="1"/>
+          </p:cNvSpPr>
+          <p:nvPr>
+            <p:ph type="title"/>
+          </p:nvPr>
+        </p:nvSpPr>
+        <p:spPr/>
+        <p:txBody>
+          <a:bodyPr/>
+          <a:lstStyle/>
+          <a:p>
+            <a:r>
+              <a:rPr lang="ru-RU" b="1" dirty="0">
+                <a:solidFill>
+                  <a:schemeClr val="bg1"/>
+                </a:solidFill>
+              </a:rPr>
+              <a:t>Перспективы дальнейшей разработки</a:t>
+            </a:r>
+          </a:p>
+        </p:txBody>
+      </p:sp>
+      <p:sp>
+        <p:nvSpPr>
+          <p:cNvPr id="3" name="Объект 2">
+            <a:extLst>
+              <a:ext uri="{FF2B5EF4-FFF2-40B4-BE49-F238E27FC236}">
+                <a16:creationId xmlns:a16="http://schemas.microsoft.com/office/drawing/2014/main" id="{2F18BBB8-31B6-47C0-A001-7D69B7C2EDDC}"/>
+              </a:ext>
+            </a:extLst>
+          </p:cNvPr>
+          <p:cNvSpPr>
+            <a:spLocks noGrp="1"/>
+          </p:cNvSpPr>
+          <p:nvPr>
+            <p:ph idx="1"/>
+          </p:nvPr>
+        </p:nvSpPr>
+        <p:spPr>
+          <a:xfrm>
+            <a:off x="838200" y="2141537"/>
+            <a:ext cx="10515600" cy="4351338"/>
+          </a:xfrm>
+        </p:spPr>
+        <p:txBody>
+          <a:bodyPr/>
+          <a:lstStyle/>
+          <a:p>
+            <a:r>
+              <a:rPr lang="ru-RU" dirty="0">
+                <a:solidFill>
+                  <a:schemeClr val="bg1"/>
+                </a:solidFill>
+              </a:rPr>
+              <a:t>Публикация приложения в </a:t>
+            </a:r>
+            <a:r>
+              <a:rPr lang="en-US" dirty="0">
+                <a:solidFill>
+                  <a:schemeClr val="bg1"/>
+                </a:solidFill>
+              </a:rPr>
+              <a:t>Google play</a:t>
+            </a:r>
+          </a:p>
+          <a:p>
+            <a:r>
+              <a:rPr lang="ru-RU" dirty="0">
+                <a:solidFill>
+                  <a:schemeClr val="bg1"/>
+                </a:solidFill>
+              </a:rPr>
+              <a:t>Добавление новых стилей</a:t>
+            </a:r>
+          </a:p>
+          <a:p>
+            <a:pPr marL="0" indent="0">
+              <a:buNone/>
+            </a:pPr>
+            <a:endParaRPr lang="ru-RU" dirty="0">
+              <a:solidFill>
+                <a:schemeClr val="bg1"/>
+              </a:solidFill>
+            </a:endParaRPr>
+          </a:p>
+          <a:p>
+            <a:pPr marL="0" indent="0">
+              <a:buNone/>
+            </a:pPr>
+            <a:r>
+              <a:rPr lang="ru-RU" dirty="0">
+                <a:solidFill>
+                  <a:schemeClr val="bg1"/>
+                </a:solidFill>
+              </a:rPr>
+              <a:t>Кроме того, существует гипотетическая возможность монетизации (покупка стилей)</a:t>
+            </a:r>
+          </a:p>
+        </p:txBody>
+      </p:sp>
+    </p:spTree>
+    <p:extLst>
+      <p:ext uri="{BB962C8B-B14F-4D97-AF65-F5344CB8AC3E}">
+        <p14:creationId xmlns:p14="http://schemas.microsoft.com/office/powerpoint/2010/main" val="833516840"/>
       </p:ext>
     </p:extLst>
   </p:cSld>
@@ -3444,7 +3716,14 @@
           <a:bodyPr/>
           <a:lstStyle/>
           <a:p>
-            <a:endParaRPr lang="ru-RU"/>
+            <a:r>
+              <a:rPr lang="ru-RU" b="1" dirty="0">
+                <a:solidFill>
+                  <a:schemeClr val="bg1"/>
+                </a:solidFill>
+              </a:rPr>
+              <a:t>Актуальность</a:t>
+            </a:r>
           </a:p>
         </p:txBody>
       </p:sp>
@@ -3462,6 +3741,563 @@
           </p:cNvSpPr>
           <p:nvPr>
             <p:ph idx="1"/>
+          </p:nvPr>
+        </p:nvSpPr>
+        <p:spPr>
+          <a:xfrm>
+            <a:off x="838200" y="2219164"/>
+            <a:ext cx="6754792" cy="547185"/>
+          </a:xfrm>
+        </p:spPr>
+        <p:txBody>
+          <a:bodyPr>
+            <a:noAutofit/>
+          </a:bodyPr>
+          <a:lstStyle/>
+          <a:p>
+            <a:pPr marL="0" indent="0">
+              <a:buNone/>
+            </a:pPr>
+            <a:r>
+              <a:rPr lang="ru-RU" sz="3200" dirty="0">
+                <a:solidFill>
+                  <a:srgbClr val="1AABE4"/>
+                </a:solidFill>
+              </a:rPr>
+              <a:t>Области использования </a:t>
+            </a:r>
+            <a:r>
+              <a:rPr lang="en-US" sz="3200" dirty="0">
+                <a:solidFill>
+                  <a:srgbClr val="1AABE4"/>
+                </a:solidFill>
+              </a:rPr>
+              <a:t>QR</a:t>
+            </a:r>
+            <a:r>
+              <a:rPr lang="ru-RU" sz="3200" dirty="0">
+                <a:solidFill>
+                  <a:srgbClr val="1AABE4"/>
+                </a:solidFill>
+              </a:rPr>
+              <a:t>-кодов</a:t>
+            </a:r>
+            <a:r>
+              <a:rPr lang="en-US" sz="3200" dirty="0">
+                <a:solidFill>
+                  <a:srgbClr val="1AABE4"/>
+                </a:solidFill>
+              </a:rPr>
+              <a:t>:</a:t>
+            </a:r>
+            <a:endParaRPr lang="ru-RU" sz="3200" dirty="0">
+              <a:solidFill>
+                <a:srgbClr val="1AABE4"/>
+              </a:solidFill>
+            </a:endParaRPr>
+          </a:p>
+        </p:txBody>
+      </p:sp>
+      <p:sp>
+        <p:nvSpPr>
+          <p:cNvPr id="6" name="Объект 2">
+            <a:extLst>
+              <a:ext uri="{FF2B5EF4-FFF2-40B4-BE49-F238E27FC236}">
+                <a16:creationId xmlns:a16="http://schemas.microsoft.com/office/drawing/2014/main" id="{2C6CE0E9-2048-4AEE-ADFC-DF940F6306F6}"/>
+              </a:ext>
+            </a:extLst>
+          </p:cNvPr>
+          <p:cNvSpPr txBox="1">
+            <a:spLocks/>
+          </p:cNvSpPr>
+          <p:nvPr/>
+        </p:nvSpPr>
+        <p:spPr>
+          <a:xfrm>
+            <a:off x="5883511" y="2915082"/>
+            <a:ext cx="4271128" cy="1761845"/>
+          </a:xfrm>
+          <a:prstGeom prst="rect">
+            <a:avLst/>
+          </a:prstGeom>
+        </p:spPr>
+        <p:txBody>
+          <a:bodyPr vert="horz" lIns="91440" tIns="45720" rIns="91440" bIns="45720" rtlCol="0">
+            <a:normAutofit fontScale="92500" lnSpcReduction="20000"/>
+          </a:bodyPr>
+          <a:lstStyle>
+            <a:lvl1pPr marL="228600" indent="-228600" algn="l" defTabSz="914400" rtl="0" eaLnBrk="1" latinLnBrk="0" hangingPunct="1">
+              <a:lnSpc>
+                <a:spcPct val="90000"/>
+              </a:lnSpc>
+              <a:spcBef>
+                <a:spcPts val="1000"/>
+              </a:spcBef>
+              <a:buFont typeface="Arial" panose="020B0604020202020204" pitchFamily="34" charset="0"/>
+              <a:buChar char="•"/>
+              <a:defRPr sz="2800" kern="1200">
+                <a:solidFill>
+                  <a:schemeClr val="tx1"/>
+                </a:solidFill>
+                <a:latin typeface="+mn-lt"/>
+                <a:ea typeface="+mn-ea"/>
+                <a:cs typeface="+mn-cs"/>
+              </a:defRPr>
+            </a:lvl1pPr>
+            <a:lvl2pPr marL="685800" indent="-228600" algn="l" defTabSz="914400" rtl="0" eaLnBrk="1" latinLnBrk="0" hangingPunct="1">
+              <a:lnSpc>
+                <a:spcPct val="90000"/>
+              </a:lnSpc>
+              <a:spcBef>
+                <a:spcPts val="500"/>
+              </a:spcBef>
+              <a:buFont typeface="Arial" panose="020B0604020202020204" pitchFamily="34" charset="0"/>
+              <a:buChar char="•"/>
+              <a:defRPr sz="2400" kern="1200">
+                <a:solidFill>
+                  <a:schemeClr val="tx1"/>
+                </a:solidFill>
+                <a:latin typeface="+mn-lt"/>
+                <a:ea typeface="+mn-ea"/>
+                <a:cs typeface="+mn-cs"/>
+              </a:defRPr>
+            </a:lvl2pPr>
+            <a:lvl3pPr marL="1143000" indent="-228600" algn="l" defTabSz="914400" rtl="0" eaLnBrk="1" latinLnBrk="0" hangingPunct="1">
+              <a:lnSpc>
+                <a:spcPct val="90000"/>
+              </a:lnSpc>
+              <a:spcBef>
+                <a:spcPts val="500"/>
+              </a:spcBef>
+              <a:buFont typeface="Arial" panose="020B0604020202020204" pitchFamily="34" charset="0"/>
+              <a:buChar char="•"/>
+              <a:defRPr sz="2000" kern="1200">
+                <a:solidFill>
+                  <a:schemeClr val="tx1"/>
+                </a:solidFill>
+                <a:latin typeface="+mn-lt"/>
+                <a:ea typeface="+mn-ea"/>
+                <a:cs typeface="+mn-cs"/>
+              </a:defRPr>
+            </a:lvl3pPr>
+            <a:lvl4pPr marL="1600200" indent="-228600" algn="l" defTabSz="914400" rtl="0" eaLnBrk="1" latinLnBrk="0" hangingPunct="1">
+              <a:lnSpc>
+                <a:spcPct val="90000"/>
+              </a:lnSpc>
+              <a:spcBef>
+                <a:spcPts val="500"/>
+              </a:spcBef>
+              <a:buFont typeface="Arial" panose="020B0604020202020204" pitchFamily="34" charset="0"/>
+              <a:buChar char="•"/>
+              <a:defRPr sz="1800" kern="1200">
+                <a:solidFill>
+                  <a:schemeClr val="tx1"/>
+                </a:solidFill>
+                <a:latin typeface="+mn-lt"/>
+                <a:ea typeface="+mn-ea"/>
+                <a:cs typeface="+mn-cs"/>
+              </a:defRPr>
+            </a:lvl4pPr>
+            <a:lvl5pPr marL="2057400" indent="-228600" algn="l" defTabSz="914400" rtl="0" eaLnBrk="1" latinLnBrk="0" hangingPunct="1">
+              <a:lnSpc>
+                <a:spcPct val="90000"/>
+              </a:lnSpc>
+              <a:spcBef>
+                <a:spcPts val="500"/>
+              </a:spcBef>
+              <a:buFont typeface="Arial" panose="020B0604020202020204" pitchFamily="34" charset="0"/>
+              <a:buChar char="•"/>
+              <a:defRPr sz="1800" kern="1200">
+                <a:solidFill>
+                  <a:schemeClr val="tx1"/>
+                </a:solidFill>
+                <a:latin typeface="+mn-lt"/>
+                <a:ea typeface="+mn-ea"/>
+                <a:cs typeface="+mn-cs"/>
+              </a:defRPr>
+            </a:lvl5pPr>
+            <a:lvl6pPr marL="2514600" indent="-228600" algn="l" defTabSz="914400" rtl="0" eaLnBrk="1" latinLnBrk="0" hangingPunct="1">
+              <a:lnSpc>
+                <a:spcPct val="90000"/>
+              </a:lnSpc>
+              <a:spcBef>
+                <a:spcPts val="500"/>
+              </a:spcBef>
+              <a:buFont typeface="Arial" panose="020B0604020202020204" pitchFamily="34" charset="0"/>
+              <a:buChar char="•"/>
+              <a:defRPr sz="1800" kern="1200">
+                <a:solidFill>
+                  <a:schemeClr val="tx1"/>
+                </a:solidFill>
+                <a:latin typeface="+mn-lt"/>
+                <a:ea typeface="+mn-ea"/>
+                <a:cs typeface="+mn-cs"/>
+              </a:defRPr>
+            </a:lvl6pPr>
+            <a:lvl7pPr marL="2971800" indent="-228600" algn="l" defTabSz="914400" rtl="0" eaLnBrk="1" latinLnBrk="0" hangingPunct="1">
+              <a:lnSpc>
+                <a:spcPct val="90000"/>
+              </a:lnSpc>
+              <a:spcBef>
+                <a:spcPts val="500"/>
+              </a:spcBef>
+              <a:buFont typeface="Arial" panose="020B0604020202020204" pitchFamily="34" charset="0"/>
+              <a:buChar char="•"/>
+              <a:defRPr sz="1800" kern="1200">
+                <a:solidFill>
+                  <a:schemeClr val="tx1"/>
+                </a:solidFill>
+                <a:latin typeface="+mn-lt"/>
+                <a:ea typeface="+mn-ea"/>
+                <a:cs typeface="+mn-cs"/>
+              </a:defRPr>
+            </a:lvl7pPr>
+            <a:lvl8pPr marL="3429000" indent="-228600" algn="l" defTabSz="914400" rtl="0" eaLnBrk="1" latinLnBrk="0" hangingPunct="1">
+              <a:lnSpc>
+                <a:spcPct val="90000"/>
+              </a:lnSpc>
+              <a:spcBef>
+                <a:spcPts val="500"/>
+              </a:spcBef>
+              <a:buFont typeface="Arial" panose="020B0604020202020204" pitchFamily="34" charset="0"/>
+              <a:buChar char="•"/>
+              <a:defRPr sz="1800" kern="1200">
+                <a:solidFill>
+                  <a:schemeClr val="tx1"/>
+                </a:solidFill>
+                <a:latin typeface="+mn-lt"/>
+                <a:ea typeface="+mn-ea"/>
+                <a:cs typeface="+mn-cs"/>
+              </a:defRPr>
+            </a:lvl8pPr>
+            <a:lvl9pPr marL="3886200" indent="-228600" algn="l" defTabSz="914400" rtl="0" eaLnBrk="1" latinLnBrk="0" hangingPunct="1">
+              <a:lnSpc>
+                <a:spcPct val="90000"/>
+              </a:lnSpc>
+              <a:spcBef>
+                <a:spcPts val="500"/>
+              </a:spcBef>
+              <a:buFont typeface="Arial" panose="020B0604020202020204" pitchFamily="34" charset="0"/>
+              <a:buChar char="•"/>
+              <a:defRPr sz="1800" kern="1200">
+                <a:solidFill>
+                  <a:schemeClr val="tx1"/>
+                </a:solidFill>
+                <a:latin typeface="+mn-lt"/>
+                <a:ea typeface="+mn-ea"/>
+                <a:cs typeface="+mn-cs"/>
+              </a:defRPr>
+            </a:lvl9pPr>
+          </a:lstStyle>
+          <a:p>
+            <a:r>
+              <a:rPr lang="ru-RU" sz="3200" dirty="0">
+                <a:solidFill>
+                  <a:schemeClr val="bg1"/>
+                </a:solidFill>
+              </a:rPr>
+              <a:t>Чеки</a:t>
+            </a:r>
+          </a:p>
+          <a:p>
+            <a:r>
+              <a:rPr lang="ru-RU" sz="3200" dirty="0">
+                <a:solidFill>
+                  <a:schemeClr val="bg1"/>
+                </a:solidFill>
+              </a:rPr>
+              <a:t>Билеты</a:t>
+            </a:r>
+          </a:p>
+          <a:p>
+            <a:r>
+              <a:rPr lang="ru-RU" sz="3200" dirty="0">
+                <a:solidFill>
+                  <a:schemeClr val="bg1"/>
+                </a:solidFill>
+              </a:rPr>
+              <a:t>Управление документами</a:t>
+            </a:r>
+          </a:p>
+        </p:txBody>
+      </p:sp>
+      <p:sp>
+        <p:nvSpPr>
+          <p:cNvPr id="7" name="Объект 2">
+            <a:extLst>
+              <a:ext uri="{FF2B5EF4-FFF2-40B4-BE49-F238E27FC236}">
+                <a16:creationId xmlns:a16="http://schemas.microsoft.com/office/drawing/2014/main" id="{E1CF2662-A261-479E-BFE0-DEBD0551B0A0}"/>
+              </a:ext>
+            </a:extLst>
+          </p:cNvPr>
+          <p:cNvSpPr txBox="1">
+            <a:spLocks/>
+          </p:cNvSpPr>
+          <p:nvPr/>
+        </p:nvSpPr>
+        <p:spPr>
+          <a:xfrm>
+            <a:off x="838200" y="2923409"/>
+            <a:ext cx="4271128" cy="2408157"/>
+          </a:xfrm>
+          <a:prstGeom prst="rect">
+            <a:avLst/>
+          </a:prstGeom>
+        </p:spPr>
+        <p:txBody>
+          <a:bodyPr vert="horz" lIns="91440" tIns="45720" rIns="91440" bIns="45720" rtlCol="0">
+            <a:normAutofit fontScale="85000" lnSpcReduction="10000"/>
+          </a:bodyPr>
+          <a:lstStyle>
+            <a:lvl1pPr marL="228600" indent="-228600" algn="l" defTabSz="914400" rtl="0" eaLnBrk="1" latinLnBrk="0" hangingPunct="1">
+              <a:lnSpc>
+                <a:spcPct val="90000"/>
+              </a:lnSpc>
+              <a:spcBef>
+                <a:spcPts val="1000"/>
+              </a:spcBef>
+              <a:buFont typeface="Arial" panose="020B0604020202020204" pitchFamily="34" charset="0"/>
+              <a:buChar char="•"/>
+              <a:defRPr sz="2800" kern="1200">
+                <a:solidFill>
+                  <a:schemeClr val="tx1"/>
+                </a:solidFill>
+                <a:latin typeface="+mn-lt"/>
+                <a:ea typeface="+mn-ea"/>
+                <a:cs typeface="+mn-cs"/>
+              </a:defRPr>
+            </a:lvl1pPr>
+            <a:lvl2pPr marL="685800" indent="-228600" algn="l" defTabSz="914400" rtl="0" eaLnBrk="1" latinLnBrk="0" hangingPunct="1">
+              <a:lnSpc>
+                <a:spcPct val="90000"/>
+              </a:lnSpc>
+              <a:spcBef>
+                <a:spcPts val="500"/>
+              </a:spcBef>
+              <a:buFont typeface="Arial" panose="020B0604020202020204" pitchFamily="34" charset="0"/>
+              <a:buChar char="•"/>
+              <a:defRPr sz="2400" kern="1200">
+                <a:solidFill>
+                  <a:schemeClr val="tx1"/>
+                </a:solidFill>
+                <a:latin typeface="+mn-lt"/>
+                <a:ea typeface="+mn-ea"/>
+                <a:cs typeface="+mn-cs"/>
+              </a:defRPr>
+            </a:lvl2pPr>
+            <a:lvl3pPr marL="1143000" indent="-228600" algn="l" defTabSz="914400" rtl="0" eaLnBrk="1" latinLnBrk="0" hangingPunct="1">
+              <a:lnSpc>
+                <a:spcPct val="90000"/>
+              </a:lnSpc>
+              <a:spcBef>
+                <a:spcPts val="500"/>
+              </a:spcBef>
+              <a:buFont typeface="Arial" panose="020B0604020202020204" pitchFamily="34" charset="0"/>
+              <a:buChar char="•"/>
+              <a:defRPr sz="2000" kern="1200">
+                <a:solidFill>
+                  <a:schemeClr val="tx1"/>
+                </a:solidFill>
+                <a:latin typeface="+mn-lt"/>
+                <a:ea typeface="+mn-ea"/>
+                <a:cs typeface="+mn-cs"/>
+              </a:defRPr>
+            </a:lvl3pPr>
+            <a:lvl4pPr marL="1600200" indent="-228600" algn="l" defTabSz="914400" rtl="0" eaLnBrk="1" latinLnBrk="0" hangingPunct="1">
+              <a:lnSpc>
+                <a:spcPct val="90000"/>
+              </a:lnSpc>
+              <a:spcBef>
+                <a:spcPts val="500"/>
+              </a:spcBef>
+              <a:buFont typeface="Arial" panose="020B0604020202020204" pitchFamily="34" charset="0"/>
+              <a:buChar char="•"/>
+              <a:defRPr sz="1800" kern="1200">
+                <a:solidFill>
+                  <a:schemeClr val="tx1"/>
+                </a:solidFill>
+                <a:latin typeface="+mn-lt"/>
+                <a:ea typeface="+mn-ea"/>
+                <a:cs typeface="+mn-cs"/>
+              </a:defRPr>
+            </a:lvl4pPr>
+            <a:lvl5pPr marL="2057400" indent="-228600" algn="l" defTabSz="914400" rtl="0" eaLnBrk="1" latinLnBrk="0" hangingPunct="1">
+              <a:lnSpc>
+                <a:spcPct val="90000"/>
+              </a:lnSpc>
+              <a:spcBef>
+                <a:spcPts val="500"/>
+              </a:spcBef>
+              <a:buFont typeface="Arial" panose="020B0604020202020204" pitchFamily="34" charset="0"/>
+              <a:buChar char="•"/>
+              <a:defRPr sz="1800" kern="1200">
+                <a:solidFill>
+                  <a:schemeClr val="tx1"/>
+                </a:solidFill>
+                <a:latin typeface="+mn-lt"/>
+                <a:ea typeface="+mn-ea"/>
+                <a:cs typeface="+mn-cs"/>
+              </a:defRPr>
+            </a:lvl5pPr>
+            <a:lvl6pPr marL="2514600" indent="-228600" algn="l" defTabSz="914400" rtl="0" eaLnBrk="1" latinLnBrk="0" hangingPunct="1">
+              <a:lnSpc>
+                <a:spcPct val="90000"/>
+              </a:lnSpc>
+              <a:spcBef>
+                <a:spcPts val="500"/>
+              </a:spcBef>
+              <a:buFont typeface="Arial" panose="020B0604020202020204" pitchFamily="34" charset="0"/>
+              <a:buChar char="•"/>
+              <a:defRPr sz="1800" kern="1200">
+                <a:solidFill>
+                  <a:schemeClr val="tx1"/>
+                </a:solidFill>
+                <a:latin typeface="+mn-lt"/>
+                <a:ea typeface="+mn-ea"/>
+                <a:cs typeface="+mn-cs"/>
+              </a:defRPr>
+            </a:lvl6pPr>
+            <a:lvl7pPr marL="2971800" indent="-228600" algn="l" defTabSz="914400" rtl="0" eaLnBrk="1" latinLnBrk="0" hangingPunct="1">
+              <a:lnSpc>
+                <a:spcPct val="90000"/>
+              </a:lnSpc>
+              <a:spcBef>
+                <a:spcPts val="500"/>
+              </a:spcBef>
+              <a:buFont typeface="Arial" panose="020B0604020202020204" pitchFamily="34" charset="0"/>
+              <a:buChar char="•"/>
+              <a:defRPr sz="1800" kern="1200">
+                <a:solidFill>
+                  <a:schemeClr val="tx1"/>
+                </a:solidFill>
+                <a:latin typeface="+mn-lt"/>
+                <a:ea typeface="+mn-ea"/>
+                <a:cs typeface="+mn-cs"/>
+              </a:defRPr>
+            </a:lvl7pPr>
+            <a:lvl8pPr marL="3429000" indent="-228600" algn="l" defTabSz="914400" rtl="0" eaLnBrk="1" latinLnBrk="0" hangingPunct="1">
+              <a:lnSpc>
+                <a:spcPct val="90000"/>
+              </a:lnSpc>
+              <a:spcBef>
+                <a:spcPts val="500"/>
+              </a:spcBef>
+              <a:buFont typeface="Arial" panose="020B0604020202020204" pitchFamily="34" charset="0"/>
+              <a:buChar char="•"/>
+              <a:defRPr sz="1800" kern="1200">
+                <a:solidFill>
+                  <a:schemeClr val="tx1"/>
+                </a:solidFill>
+                <a:latin typeface="+mn-lt"/>
+                <a:ea typeface="+mn-ea"/>
+                <a:cs typeface="+mn-cs"/>
+              </a:defRPr>
+            </a:lvl8pPr>
+            <a:lvl9pPr marL="3886200" indent="-228600" algn="l" defTabSz="914400" rtl="0" eaLnBrk="1" latinLnBrk="0" hangingPunct="1">
+              <a:lnSpc>
+                <a:spcPct val="90000"/>
+              </a:lnSpc>
+              <a:spcBef>
+                <a:spcPts val="500"/>
+              </a:spcBef>
+              <a:buFont typeface="Arial" panose="020B0604020202020204" pitchFamily="34" charset="0"/>
+              <a:buChar char="•"/>
+              <a:defRPr sz="1800" kern="1200">
+                <a:solidFill>
+                  <a:schemeClr val="tx1"/>
+                </a:solidFill>
+                <a:latin typeface="+mn-lt"/>
+                <a:ea typeface="+mn-ea"/>
+                <a:cs typeface="+mn-cs"/>
+              </a:defRPr>
+            </a:lvl9pPr>
+          </a:lstStyle>
+          <a:p>
+            <a:r>
+              <a:rPr lang="ru-RU" sz="3200" dirty="0">
+                <a:solidFill>
+                  <a:schemeClr val="bg1"/>
+                </a:solidFill>
+              </a:rPr>
+              <a:t>Реклама (афиши, визитки)</a:t>
+            </a:r>
+          </a:p>
+          <a:p>
+            <a:r>
+              <a:rPr lang="ru-RU" sz="3200" dirty="0">
+                <a:solidFill>
+                  <a:schemeClr val="bg1"/>
+                </a:solidFill>
+              </a:rPr>
+              <a:t>Акции, упаковки</a:t>
+            </a:r>
+          </a:p>
+          <a:p>
+            <a:r>
+              <a:rPr lang="ru-RU" sz="3200" dirty="0">
+                <a:solidFill>
+                  <a:schemeClr val="bg1"/>
+                </a:solidFill>
+              </a:rPr>
+              <a:t>Туризм (музеи, таблички)</a:t>
+            </a:r>
+          </a:p>
+          <a:p>
+            <a:r>
+              <a:rPr lang="ru-RU" sz="3200" dirty="0">
+                <a:solidFill>
+                  <a:schemeClr val="bg1"/>
+                </a:solidFill>
+              </a:rPr>
+              <a:t>Презентации</a:t>
+            </a:r>
+          </a:p>
+        </p:txBody>
+      </p:sp>
+    </p:spTree>
+    <p:extLst>
+      <p:ext uri="{BB962C8B-B14F-4D97-AF65-F5344CB8AC3E}">
+        <p14:creationId xmlns:p14="http://schemas.microsoft.com/office/powerpoint/2010/main" val="184014323"/>
+      </p:ext>
+    </p:extLst>
+  </p:cSld>
+  <p:clrMapOvr>
+    <a:masterClrMapping/>
+  </p:clrMapOvr>
+</p:sld>
+</file>
+
+<file path=ppt/slides/slide3.xml><?xml version="1.0" encoding="utf-8"?>
+<p:sld xmlns:a="http://schemas.openxmlformats.org/drawingml/2006/main" xmlns:r="http://schemas.openxmlformats.org/officeDocument/2006/relationships" xmlns:p="http://schemas.openxmlformats.org/presentationml/2006/main">
+  <p:cSld>
+    <p:spTree>
+      <p:nvGrpSpPr>
+        <p:cNvPr id="1" name=""/>
+        <p:cNvGrpSpPr/>
+        <p:nvPr/>
+      </p:nvGrpSpPr>
+      <p:grpSpPr>
+        <a:xfrm>
+          <a:off x="0" y="0"/>
+          <a:ext cx="0" cy="0"/>
+          <a:chOff x="0" y="0"/>
+          <a:chExt cx="0" cy="0"/>
+        </a:xfrm>
+      </p:grpSpPr>
+      <p:sp>
+        <p:nvSpPr>
+          <p:cNvPr id="2" name="Заголовок 1">
+            <a:extLst>
+              <a:ext uri="{FF2B5EF4-FFF2-40B4-BE49-F238E27FC236}">
+                <a16:creationId xmlns:a16="http://schemas.microsoft.com/office/drawing/2014/main" id="{261E7B14-21F7-4B1B-B088-0F4A63979A35}"/>
+              </a:ext>
+            </a:extLst>
+          </p:cNvPr>
+          <p:cNvSpPr>
+            <a:spLocks noGrp="1"/>
+          </p:cNvSpPr>
+          <p:nvPr>
+            <p:ph type="title"/>
           </p:nvPr>
         </p:nvSpPr>
         <p:spPr/>
@@ -3469,7 +4305,458 @@
           <a:bodyPr/>
           <a:lstStyle/>
           <a:p>
-            <a:endParaRPr lang="ru-RU"/>
+            <a:r>
+              <a:rPr lang="ru-RU" b="1" dirty="0">
+                <a:solidFill>
+                  <a:schemeClr val="bg1"/>
+                </a:solidFill>
+              </a:rPr>
+              <a:t>Введение в предметную область</a:t>
+            </a:r>
+          </a:p>
+        </p:txBody>
+      </p:sp>
+      <p:sp>
+        <p:nvSpPr>
+          <p:cNvPr id="3" name="Объект 2">
+            <a:extLst>
+              <a:ext uri="{FF2B5EF4-FFF2-40B4-BE49-F238E27FC236}">
+                <a16:creationId xmlns:a16="http://schemas.microsoft.com/office/drawing/2014/main" id="{2F18BBB8-31B6-47C0-A001-7D69B7C2EDDC}"/>
+              </a:ext>
+            </a:extLst>
+          </p:cNvPr>
+          <p:cNvSpPr>
+            <a:spLocks noGrp="1"/>
+          </p:cNvSpPr>
+          <p:nvPr>
+            <p:ph idx="1"/>
+          </p:nvPr>
+        </p:nvSpPr>
+        <p:spPr>
+          <a:xfrm>
+            <a:off x="838200" y="1825625"/>
+            <a:ext cx="3582971" cy="663051"/>
+          </a:xfrm>
+        </p:spPr>
+        <p:txBody>
+          <a:bodyPr/>
+          <a:lstStyle/>
+          <a:p>
+            <a:pPr marL="0" indent="0">
+              <a:buNone/>
+            </a:pPr>
+            <a:r>
+              <a:rPr lang="ru-RU" dirty="0">
+                <a:solidFill>
+                  <a:srgbClr val="1AABE4"/>
+                </a:solidFill>
+              </a:rPr>
+              <a:t>Структура </a:t>
+            </a:r>
+            <a:r>
+              <a:rPr lang="en-US" dirty="0">
+                <a:solidFill>
+                  <a:srgbClr val="1AABE4"/>
+                </a:solidFill>
+              </a:rPr>
+              <a:t>QR-</a:t>
+            </a:r>
+            <a:r>
+              <a:rPr lang="ru-RU" dirty="0">
+                <a:solidFill>
+                  <a:srgbClr val="1AABE4"/>
+                </a:solidFill>
+              </a:rPr>
+              <a:t>кода:</a:t>
+            </a:r>
+          </a:p>
+        </p:txBody>
+      </p:sp>
+      <p:pic>
+        <p:nvPicPr>
+          <p:cNvPr id="5" name="Рисунок 4">
+            <a:extLst>
+              <a:ext uri="{FF2B5EF4-FFF2-40B4-BE49-F238E27FC236}">
+                <a16:creationId xmlns:a16="http://schemas.microsoft.com/office/drawing/2014/main" id="{B859FEBA-747F-4D46-B7B7-C505F3B5685C}"/>
+              </a:ext>
+            </a:extLst>
+          </p:cNvPr>
+          <p:cNvPicPr>
+            <a:picLocks noChangeAspect="1"/>
+          </p:cNvPicPr>
+          <p:nvPr/>
+        </p:nvPicPr>
+        <p:blipFill>
+          <a:blip r:embed="rId2"/>
+          <a:stretch>
+            <a:fillRect/>
+          </a:stretch>
+        </p:blipFill>
+        <p:spPr>
+          <a:xfrm>
+            <a:off x="838200" y="2657156"/>
+            <a:ext cx="6179983" cy="3424337"/>
+          </a:xfrm>
+          <a:prstGeom prst="rect">
+            <a:avLst/>
+          </a:prstGeom>
+        </p:spPr>
+      </p:pic>
+      <p:sp>
+        <p:nvSpPr>
+          <p:cNvPr id="6" name="Объект 2">
+            <a:extLst>
+              <a:ext uri="{FF2B5EF4-FFF2-40B4-BE49-F238E27FC236}">
+                <a16:creationId xmlns:a16="http://schemas.microsoft.com/office/drawing/2014/main" id="{89EA4E94-B405-4A05-9296-DF756D2C6550}"/>
+              </a:ext>
+            </a:extLst>
+          </p:cNvPr>
+          <p:cNvSpPr txBox="1">
+            <a:spLocks/>
+          </p:cNvSpPr>
+          <p:nvPr/>
+        </p:nvSpPr>
+        <p:spPr>
+          <a:xfrm>
+            <a:off x="7570510" y="2716572"/>
+            <a:ext cx="3849278" cy="3776303"/>
+          </a:xfrm>
+          <a:prstGeom prst="rect">
+            <a:avLst/>
+          </a:prstGeom>
+        </p:spPr>
+        <p:txBody>
+          <a:bodyPr vert="horz" lIns="91440" tIns="45720" rIns="91440" bIns="45720" rtlCol="0">
+            <a:normAutofit/>
+          </a:bodyPr>
+          <a:lstStyle>
+            <a:lvl1pPr marL="228600" indent="-228600" algn="l" defTabSz="914400" rtl="0" eaLnBrk="1" latinLnBrk="0" hangingPunct="1">
+              <a:lnSpc>
+                <a:spcPct val="90000"/>
+              </a:lnSpc>
+              <a:spcBef>
+                <a:spcPts val="1000"/>
+              </a:spcBef>
+              <a:buFont typeface="Arial" panose="020B0604020202020204" pitchFamily="34" charset="0"/>
+              <a:buChar char="•"/>
+              <a:defRPr sz="2800" kern="1200">
+                <a:solidFill>
+                  <a:schemeClr val="tx1"/>
+                </a:solidFill>
+                <a:latin typeface="+mn-lt"/>
+                <a:ea typeface="+mn-ea"/>
+                <a:cs typeface="+mn-cs"/>
+              </a:defRPr>
+            </a:lvl1pPr>
+            <a:lvl2pPr marL="685800" indent="-228600" algn="l" defTabSz="914400" rtl="0" eaLnBrk="1" latinLnBrk="0" hangingPunct="1">
+              <a:lnSpc>
+                <a:spcPct val="90000"/>
+              </a:lnSpc>
+              <a:spcBef>
+                <a:spcPts val="500"/>
+              </a:spcBef>
+              <a:buFont typeface="Arial" panose="020B0604020202020204" pitchFamily="34" charset="0"/>
+              <a:buChar char="•"/>
+              <a:defRPr sz="2400" kern="1200">
+                <a:solidFill>
+                  <a:schemeClr val="tx1"/>
+                </a:solidFill>
+                <a:latin typeface="+mn-lt"/>
+                <a:ea typeface="+mn-ea"/>
+                <a:cs typeface="+mn-cs"/>
+              </a:defRPr>
+            </a:lvl2pPr>
+            <a:lvl3pPr marL="1143000" indent="-228600" algn="l" defTabSz="914400" rtl="0" eaLnBrk="1" latinLnBrk="0" hangingPunct="1">
+              <a:lnSpc>
+                <a:spcPct val="90000"/>
+              </a:lnSpc>
+              <a:spcBef>
+                <a:spcPts val="500"/>
+              </a:spcBef>
+              <a:buFont typeface="Arial" panose="020B0604020202020204" pitchFamily="34" charset="0"/>
+              <a:buChar char="•"/>
+              <a:defRPr sz="2000" kern="1200">
+                <a:solidFill>
+                  <a:schemeClr val="tx1"/>
+                </a:solidFill>
+                <a:latin typeface="+mn-lt"/>
+                <a:ea typeface="+mn-ea"/>
+                <a:cs typeface="+mn-cs"/>
+              </a:defRPr>
+            </a:lvl3pPr>
+            <a:lvl4pPr marL="1600200" indent="-228600" algn="l" defTabSz="914400" rtl="0" eaLnBrk="1" latinLnBrk="0" hangingPunct="1">
+              <a:lnSpc>
+                <a:spcPct val="90000"/>
+              </a:lnSpc>
+              <a:spcBef>
+                <a:spcPts val="500"/>
+              </a:spcBef>
+              <a:buFont typeface="Arial" panose="020B0604020202020204" pitchFamily="34" charset="0"/>
+              <a:buChar char="•"/>
+              <a:defRPr sz="1800" kern="1200">
+                <a:solidFill>
+                  <a:schemeClr val="tx1"/>
+                </a:solidFill>
+                <a:latin typeface="+mn-lt"/>
+                <a:ea typeface="+mn-ea"/>
+                <a:cs typeface="+mn-cs"/>
+              </a:defRPr>
+            </a:lvl4pPr>
+            <a:lvl5pPr marL="2057400" indent="-228600" algn="l" defTabSz="914400" rtl="0" eaLnBrk="1" latinLnBrk="0" hangingPunct="1">
+              <a:lnSpc>
+                <a:spcPct val="90000"/>
+              </a:lnSpc>
+              <a:spcBef>
+                <a:spcPts val="500"/>
+              </a:spcBef>
+              <a:buFont typeface="Arial" panose="020B0604020202020204" pitchFamily="34" charset="0"/>
+              <a:buChar char="•"/>
+              <a:defRPr sz="1800" kern="1200">
+                <a:solidFill>
+                  <a:schemeClr val="tx1"/>
+                </a:solidFill>
+                <a:latin typeface="+mn-lt"/>
+                <a:ea typeface="+mn-ea"/>
+                <a:cs typeface="+mn-cs"/>
+              </a:defRPr>
+            </a:lvl5pPr>
+            <a:lvl6pPr marL="2514600" indent="-228600" algn="l" defTabSz="914400" rtl="0" eaLnBrk="1" latinLnBrk="0" hangingPunct="1">
+              <a:lnSpc>
+                <a:spcPct val="90000"/>
+              </a:lnSpc>
+              <a:spcBef>
+                <a:spcPts val="500"/>
+              </a:spcBef>
+              <a:buFont typeface="Arial" panose="020B0604020202020204" pitchFamily="34" charset="0"/>
+              <a:buChar char="•"/>
+              <a:defRPr sz="1800" kern="1200">
+                <a:solidFill>
+                  <a:schemeClr val="tx1"/>
+                </a:solidFill>
+                <a:latin typeface="+mn-lt"/>
+                <a:ea typeface="+mn-ea"/>
+                <a:cs typeface="+mn-cs"/>
+              </a:defRPr>
+            </a:lvl6pPr>
+            <a:lvl7pPr marL="2971800" indent="-228600" algn="l" defTabSz="914400" rtl="0" eaLnBrk="1" latinLnBrk="0" hangingPunct="1">
+              <a:lnSpc>
+                <a:spcPct val="90000"/>
+              </a:lnSpc>
+              <a:spcBef>
+                <a:spcPts val="500"/>
+              </a:spcBef>
+              <a:buFont typeface="Arial" panose="020B0604020202020204" pitchFamily="34" charset="0"/>
+              <a:buChar char="•"/>
+              <a:defRPr sz="1800" kern="1200">
+                <a:solidFill>
+                  <a:schemeClr val="tx1"/>
+                </a:solidFill>
+                <a:latin typeface="+mn-lt"/>
+                <a:ea typeface="+mn-ea"/>
+                <a:cs typeface="+mn-cs"/>
+              </a:defRPr>
+            </a:lvl7pPr>
+            <a:lvl8pPr marL="3429000" indent="-228600" algn="l" defTabSz="914400" rtl="0" eaLnBrk="1" latinLnBrk="0" hangingPunct="1">
+              <a:lnSpc>
+                <a:spcPct val="90000"/>
+              </a:lnSpc>
+              <a:spcBef>
+                <a:spcPts val="500"/>
+              </a:spcBef>
+              <a:buFont typeface="Arial" panose="020B0604020202020204" pitchFamily="34" charset="0"/>
+              <a:buChar char="•"/>
+              <a:defRPr sz="1800" kern="1200">
+                <a:solidFill>
+                  <a:schemeClr val="tx1"/>
+                </a:solidFill>
+                <a:latin typeface="+mn-lt"/>
+                <a:ea typeface="+mn-ea"/>
+                <a:cs typeface="+mn-cs"/>
+              </a:defRPr>
+            </a:lvl8pPr>
+            <a:lvl9pPr marL="3886200" indent="-228600" algn="l" defTabSz="914400" rtl="0" eaLnBrk="1" latinLnBrk="0" hangingPunct="1">
+              <a:lnSpc>
+                <a:spcPct val="90000"/>
+              </a:lnSpc>
+              <a:spcBef>
+                <a:spcPts val="500"/>
+              </a:spcBef>
+              <a:buFont typeface="Arial" panose="020B0604020202020204" pitchFamily="34" charset="0"/>
+              <a:buChar char="•"/>
+              <a:defRPr sz="1800" kern="1200">
+                <a:solidFill>
+                  <a:schemeClr val="tx1"/>
+                </a:solidFill>
+                <a:latin typeface="+mn-lt"/>
+                <a:ea typeface="+mn-ea"/>
+                <a:cs typeface="+mn-cs"/>
+              </a:defRPr>
+            </a:lvl9pPr>
+          </a:lstStyle>
+          <a:p>
+            <a:r>
+              <a:rPr lang="ru-RU" dirty="0">
+                <a:solidFill>
+                  <a:schemeClr val="bg1"/>
+                </a:solidFill>
+              </a:rPr>
+              <a:t>Код Рида-Соломона</a:t>
+            </a:r>
+          </a:p>
+          <a:p>
+            <a:r>
+              <a:rPr lang="ru-RU" dirty="0">
+                <a:solidFill>
+                  <a:schemeClr val="bg1"/>
+                </a:solidFill>
+              </a:rPr>
+              <a:t>4 уровня избыточности: 7%, 15%, 25% и 30%</a:t>
+            </a:r>
+          </a:p>
+        </p:txBody>
+      </p:sp>
+    </p:spTree>
+    <p:extLst>
+      <p:ext uri="{BB962C8B-B14F-4D97-AF65-F5344CB8AC3E}">
+        <p14:creationId xmlns:p14="http://schemas.microsoft.com/office/powerpoint/2010/main" val="2591076936"/>
+      </p:ext>
+    </p:extLst>
+  </p:cSld>
+  <p:clrMapOvr>
+    <a:masterClrMapping/>
+  </p:clrMapOvr>
+</p:sld>
+</file>
+
+<file path=ppt/slides/slide4.xml><?xml version="1.0" encoding="utf-8"?>
+<p:sld xmlns:a="http://schemas.openxmlformats.org/drawingml/2006/main" xmlns:r="http://schemas.openxmlformats.org/officeDocument/2006/relationships" xmlns:p="http://schemas.openxmlformats.org/presentationml/2006/main">
+  <p:cSld>
+    <p:spTree>
+      <p:nvGrpSpPr>
+        <p:cNvPr id="1" name=""/>
+        <p:cNvGrpSpPr/>
+        <p:nvPr/>
+      </p:nvGrpSpPr>
+      <p:grpSpPr>
+        <a:xfrm>
+          <a:off x="0" y="0"/>
+          <a:ext cx="0" cy="0"/>
+          <a:chOff x="0" y="0"/>
+          <a:chExt cx="0" cy="0"/>
+        </a:xfrm>
+      </p:grpSpPr>
+      <p:sp>
+        <p:nvSpPr>
+          <p:cNvPr id="2" name="Заголовок 1">
+            <a:extLst>
+              <a:ext uri="{FF2B5EF4-FFF2-40B4-BE49-F238E27FC236}">
+                <a16:creationId xmlns:a16="http://schemas.microsoft.com/office/drawing/2014/main" id="{261E7B14-21F7-4B1B-B088-0F4A63979A35}"/>
+              </a:ext>
+            </a:extLst>
+          </p:cNvPr>
+          <p:cNvSpPr>
+            <a:spLocks noGrp="1"/>
+          </p:cNvSpPr>
+          <p:nvPr>
+            <p:ph type="title"/>
+          </p:nvPr>
+        </p:nvSpPr>
+        <p:spPr/>
+        <p:txBody>
+          <a:bodyPr/>
+          <a:lstStyle/>
+          <a:p>
+            <a:r>
+              <a:rPr lang="ru-RU" b="1" dirty="0">
+                <a:solidFill>
+                  <a:schemeClr val="bg1"/>
+                </a:solidFill>
+              </a:rPr>
+              <a:t>Постановка задачи</a:t>
+            </a:r>
+          </a:p>
+        </p:txBody>
+      </p:sp>
+      <p:sp>
+        <p:nvSpPr>
+          <p:cNvPr id="3" name="Объект 2">
+            <a:extLst>
+              <a:ext uri="{FF2B5EF4-FFF2-40B4-BE49-F238E27FC236}">
+                <a16:creationId xmlns:a16="http://schemas.microsoft.com/office/drawing/2014/main" id="{2F18BBB8-31B6-47C0-A001-7D69B7C2EDDC}"/>
+              </a:ext>
+            </a:extLst>
+          </p:cNvPr>
+          <p:cNvSpPr>
+            <a:spLocks noGrp="1"/>
+          </p:cNvSpPr>
+          <p:nvPr>
+            <p:ph idx="1"/>
+          </p:nvPr>
+        </p:nvSpPr>
+        <p:spPr/>
+        <p:txBody>
+          <a:bodyPr/>
+          <a:lstStyle/>
+          <a:p>
+            <a:pPr marL="0" indent="0">
+              <a:buNone/>
+            </a:pPr>
+            <a:r>
+              <a:rPr lang="ru-RU" dirty="0">
+                <a:solidFill>
+                  <a:schemeClr val="bg1"/>
+                </a:solidFill>
+              </a:rPr>
+              <a:t>Поставлена задача разработать мобильное приложение для генерации </a:t>
+            </a:r>
+            <a:r>
+              <a:rPr lang="en-US" dirty="0">
+                <a:solidFill>
+                  <a:schemeClr val="bg1"/>
+                </a:solidFill>
+              </a:rPr>
+              <a:t>QR</a:t>
+            </a:r>
+            <a:r>
+              <a:rPr lang="ru-RU" dirty="0">
+                <a:solidFill>
+                  <a:schemeClr val="bg1"/>
+                </a:solidFill>
+              </a:rPr>
+              <a:t>-кодов и их последующего </a:t>
+            </a:r>
+            <a:r>
+              <a:rPr lang="en-US" dirty="0">
+                <a:solidFill>
+                  <a:schemeClr val="bg1"/>
+                </a:solidFill>
+              </a:rPr>
+              <a:t>“</a:t>
+            </a:r>
+            <a:r>
+              <a:rPr lang="ru-RU" dirty="0">
+                <a:solidFill>
+                  <a:schemeClr val="bg1"/>
+                </a:solidFill>
+              </a:rPr>
+              <a:t>приукрашивания</a:t>
+            </a:r>
+            <a:r>
+              <a:rPr lang="en-US" dirty="0">
+                <a:solidFill>
+                  <a:schemeClr val="bg1"/>
+                </a:solidFill>
+              </a:rPr>
+              <a:t>”</a:t>
+            </a:r>
+            <a:r>
+              <a:rPr lang="ru-RU" dirty="0">
+                <a:solidFill>
+                  <a:schemeClr val="bg1"/>
+                </a:solidFill>
+              </a:rPr>
+              <a:t> при помощи встроенных инструментов </a:t>
+            </a:r>
           </a:p>
         </p:txBody>
       </p:sp>
@@ -3477,6 +4764,1542 @@
     <p:extLst>
       <p:ext uri="{BB962C8B-B14F-4D97-AF65-F5344CB8AC3E}">
         <p14:creationId xmlns:p14="http://schemas.microsoft.com/office/powerpoint/2010/main" val="1247011914"/>
+      </p:ext>
+    </p:extLst>
+  </p:cSld>
+  <p:clrMapOvr>
+    <a:masterClrMapping/>
+  </p:clrMapOvr>
+</p:sld>
+</file>
+
+<file path=ppt/slides/slide5.xml><?xml version="1.0" encoding="utf-8"?>
+<p:sld xmlns:a="http://schemas.openxmlformats.org/drawingml/2006/main" xmlns:r="http://schemas.openxmlformats.org/officeDocument/2006/relationships" xmlns:p="http://schemas.openxmlformats.org/presentationml/2006/main">
+  <p:cSld>
+    <p:spTree>
+      <p:nvGrpSpPr>
+        <p:cNvPr id="1" name=""/>
+        <p:cNvGrpSpPr/>
+        <p:nvPr/>
+      </p:nvGrpSpPr>
+      <p:grpSpPr>
+        <a:xfrm>
+          <a:off x="0" y="0"/>
+          <a:ext cx="0" cy="0"/>
+          <a:chOff x="0" y="0"/>
+          <a:chExt cx="0" cy="0"/>
+        </a:xfrm>
+      </p:grpSpPr>
+      <p:sp>
+        <p:nvSpPr>
+          <p:cNvPr id="2" name="Заголовок 1">
+            <a:extLst>
+              <a:ext uri="{FF2B5EF4-FFF2-40B4-BE49-F238E27FC236}">
+                <a16:creationId xmlns:a16="http://schemas.microsoft.com/office/drawing/2014/main" id="{261E7B14-21F7-4B1B-B088-0F4A63979A35}"/>
+              </a:ext>
+            </a:extLst>
+          </p:cNvPr>
+          <p:cNvSpPr>
+            <a:spLocks noGrp="1"/>
+          </p:cNvSpPr>
+          <p:nvPr>
+            <p:ph type="title"/>
+          </p:nvPr>
+        </p:nvSpPr>
+        <p:spPr/>
+        <p:txBody>
+          <a:bodyPr/>
+          <a:lstStyle/>
+          <a:p>
+            <a:r>
+              <a:rPr lang="ru-RU" b="1" dirty="0">
+                <a:solidFill>
+                  <a:schemeClr val="bg1"/>
+                </a:solidFill>
+              </a:rPr>
+              <a:t>Обзор аналогов</a:t>
+            </a:r>
+          </a:p>
+        </p:txBody>
+      </p:sp>
+      <p:sp>
+        <p:nvSpPr>
+          <p:cNvPr id="3" name="Объект 2">
+            <a:extLst>
+              <a:ext uri="{FF2B5EF4-FFF2-40B4-BE49-F238E27FC236}">
+                <a16:creationId xmlns:a16="http://schemas.microsoft.com/office/drawing/2014/main" id="{2F18BBB8-31B6-47C0-A001-7D69B7C2EDDC}"/>
+              </a:ext>
+            </a:extLst>
+          </p:cNvPr>
+          <p:cNvSpPr>
+            <a:spLocks noGrp="1"/>
+          </p:cNvSpPr>
+          <p:nvPr>
+            <p:ph idx="1"/>
+          </p:nvPr>
+        </p:nvSpPr>
+        <p:spPr>
+          <a:xfrm>
+            <a:off x="838200" y="1825625"/>
+            <a:ext cx="10398760" cy="4351338"/>
+          </a:xfrm>
+        </p:spPr>
+        <p:txBody>
+          <a:bodyPr>
+            <a:normAutofit/>
+          </a:bodyPr>
+          <a:lstStyle/>
+          <a:p>
+            <a:pPr marL="0" indent="0">
+              <a:buNone/>
+            </a:pPr>
+            <a:r>
+              <a:rPr lang="ru-RU" sz="3200" dirty="0">
+                <a:solidFill>
+                  <a:srgbClr val="1AABE4"/>
+                </a:solidFill>
+              </a:rPr>
+              <a:t>     </a:t>
+            </a:r>
+            <a:r>
+              <a:rPr lang="en-US" sz="3200" dirty="0" err="1">
+                <a:solidFill>
+                  <a:srgbClr val="1AABE4"/>
+                </a:solidFill>
+              </a:rPr>
+              <a:t>Visualead</a:t>
+            </a:r>
+            <a:r>
+              <a:rPr lang="ru-RU" sz="3200" dirty="0">
+                <a:solidFill>
+                  <a:srgbClr val="1AABE4"/>
+                </a:solidFill>
+              </a:rPr>
+              <a:t>                     С</a:t>
+            </a:r>
+            <a:r>
+              <a:rPr lang="en-US" sz="3200" dirty="0" err="1">
+                <a:solidFill>
+                  <a:srgbClr val="1AABE4"/>
+                </a:solidFill>
+              </a:rPr>
+              <a:t>reambee</a:t>
+            </a:r>
+            <a:r>
+              <a:rPr lang="ru-RU" sz="3200" dirty="0">
+                <a:solidFill>
+                  <a:srgbClr val="1AABE4"/>
+                </a:solidFill>
+              </a:rPr>
+              <a:t>                 </a:t>
+            </a:r>
+            <a:r>
+              <a:rPr lang="en-US" sz="3200" dirty="0" err="1">
+                <a:solidFill>
+                  <a:srgbClr val="1AABE4"/>
+                </a:solidFill>
+              </a:rPr>
+              <a:t>qrcode.website</a:t>
+            </a:r>
+            <a:endParaRPr lang="ru-RU" sz="3200" dirty="0">
+              <a:solidFill>
+                <a:srgbClr val="1AABE4"/>
+              </a:solidFill>
+            </a:endParaRPr>
+          </a:p>
+        </p:txBody>
+      </p:sp>
+      <p:pic>
+        <p:nvPicPr>
+          <p:cNvPr id="4" name="Рисунок 3">
+            <a:extLst>
+              <a:ext uri="{FF2B5EF4-FFF2-40B4-BE49-F238E27FC236}">
+                <a16:creationId xmlns:a16="http://schemas.microsoft.com/office/drawing/2014/main" id="{B90D88E4-AF42-45CD-B4C2-1FF7D9047357}"/>
+              </a:ext>
+            </a:extLst>
+          </p:cNvPr>
+          <p:cNvPicPr>
+            <a:picLocks noChangeAspect="1"/>
+          </p:cNvPicPr>
+          <p:nvPr/>
+        </p:nvPicPr>
+        <p:blipFill>
+          <a:blip r:embed="rId2"/>
+          <a:stretch>
+            <a:fillRect/>
+          </a:stretch>
+        </p:blipFill>
+        <p:spPr>
+          <a:xfrm>
+            <a:off x="1349402" y="2713388"/>
+            <a:ext cx="1584292" cy="1584292"/>
+          </a:xfrm>
+          <a:prstGeom prst="rect">
+            <a:avLst/>
+          </a:prstGeom>
+        </p:spPr>
+      </p:pic>
+      <p:pic>
+        <p:nvPicPr>
+          <p:cNvPr id="5" name="Рисунок 4">
+            <a:extLst>
+              <a:ext uri="{FF2B5EF4-FFF2-40B4-BE49-F238E27FC236}">
+                <a16:creationId xmlns:a16="http://schemas.microsoft.com/office/drawing/2014/main" id="{B5A38240-4C4A-4D78-800F-FF58827069D8}"/>
+              </a:ext>
+            </a:extLst>
+          </p:cNvPr>
+          <p:cNvPicPr>
+            <a:picLocks noChangeAspect="1"/>
+          </p:cNvPicPr>
+          <p:nvPr/>
+        </p:nvPicPr>
+        <p:blipFill>
+          <a:blip r:embed="rId3"/>
+          <a:stretch>
+            <a:fillRect/>
+          </a:stretch>
+        </p:blipFill>
+        <p:spPr>
+          <a:xfrm>
+            <a:off x="745709" y="4642339"/>
+            <a:ext cx="3201451" cy="1325563"/>
+          </a:xfrm>
+          <a:prstGeom prst="rect">
+            <a:avLst/>
+          </a:prstGeom>
+        </p:spPr>
+      </p:pic>
+      <p:pic>
+        <p:nvPicPr>
+          <p:cNvPr id="6" name="Рисунок 5">
+            <a:extLst>
+              <a:ext uri="{FF2B5EF4-FFF2-40B4-BE49-F238E27FC236}">
+                <a16:creationId xmlns:a16="http://schemas.microsoft.com/office/drawing/2014/main" id="{4EE15F49-7B4D-4813-AAE2-0E3409AD3BE4}"/>
+              </a:ext>
+            </a:extLst>
+          </p:cNvPr>
+          <p:cNvPicPr>
+            <a:picLocks noChangeAspect="1"/>
+          </p:cNvPicPr>
+          <p:nvPr/>
+        </p:nvPicPr>
+        <p:blipFill>
+          <a:blip r:embed="rId4"/>
+          <a:stretch>
+            <a:fillRect/>
+          </a:stretch>
+        </p:blipFill>
+        <p:spPr>
+          <a:xfrm>
+            <a:off x="4578370" y="3187275"/>
+            <a:ext cx="2918419" cy="2023401"/>
+          </a:xfrm>
+          <a:prstGeom prst="rect">
+            <a:avLst/>
+          </a:prstGeom>
+        </p:spPr>
+      </p:pic>
+      <p:pic>
+        <p:nvPicPr>
+          <p:cNvPr id="10" name="Рисунок 9">
+            <a:extLst>
+              <a:ext uri="{FF2B5EF4-FFF2-40B4-BE49-F238E27FC236}">
+                <a16:creationId xmlns:a16="http://schemas.microsoft.com/office/drawing/2014/main" id="{01E3990E-C0F5-47C0-8074-A8C5862B9823}"/>
+              </a:ext>
+            </a:extLst>
+          </p:cNvPr>
+          <p:cNvPicPr>
+            <a:picLocks noChangeAspect="1"/>
+          </p:cNvPicPr>
+          <p:nvPr/>
+        </p:nvPicPr>
+        <p:blipFill>
+          <a:blip r:embed="rId5"/>
+          <a:stretch>
+            <a:fillRect/>
+          </a:stretch>
+        </p:blipFill>
+        <p:spPr>
+          <a:xfrm>
+            <a:off x="8517255" y="3298862"/>
+            <a:ext cx="1924050" cy="1800225"/>
+          </a:xfrm>
+          <a:prstGeom prst="rect">
+            <a:avLst/>
+          </a:prstGeom>
+        </p:spPr>
+      </p:pic>
+    </p:spTree>
+    <p:extLst>
+      <p:ext uri="{BB962C8B-B14F-4D97-AF65-F5344CB8AC3E}">
+        <p14:creationId xmlns:p14="http://schemas.microsoft.com/office/powerpoint/2010/main" val="495556140"/>
+      </p:ext>
+    </p:extLst>
+  </p:cSld>
+  <p:clrMapOvr>
+    <a:masterClrMapping/>
+  </p:clrMapOvr>
+</p:sld>
+</file>
+
+<file path=ppt/slides/slide6.xml><?xml version="1.0" encoding="utf-8"?>
+<p:sld xmlns:a="http://schemas.openxmlformats.org/drawingml/2006/main" xmlns:r="http://schemas.openxmlformats.org/officeDocument/2006/relationships" xmlns:p="http://schemas.openxmlformats.org/presentationml/2006/main">
+  <p:cSld>
+    <p:spTree>
+      <p:nvGrpSpPr>
+        <p:cNvPr id="1" name=""/>
+        <p:cNvGrpSpPr/>
+        <p:nvPr/>
+      </p:nvGrpSpPr>
+      <p:grpSpPr>
+        <a:xfrm>
+          <a:off x="0" y="0"/>
+          <a:ext cx="0" cy="0"/>
+          <a:chOff x="0" y="0"/>
+          <a:chExt cx="0" cy="0"/>
+        </a:xfrm>
+      </p:grpSpPr>
+      <p:sp>
+        <p:nvSpPr>
+          <p:cNvPr id="2" name="Заголовок 1">
+            <a:extLst>
+              <a:ext uri="{FF2B5EF4-FFF2-40B4-BE49-F238E27FC236}">
+                <a16:creationId xmlns:a16="http://schemas.microsoft.com/office/drawing/2014/main" id="{261E7B14-21F7-4B1B-B088-0F4A63979A35}"/>
+              </a:ext>
+            </a:extLst>
+          </p:cNvPr>
+          <p:cNvSpPr>
+            <a:spLocks noGrp="1"/>
+          </p:cNvSpPr>
+          <p:nvPr>
+            <p:ph type="title"/>
+          </p:nvPr>
+        </p:nvSpPr>
+        <p:spPr/>
+        <p:txBody>
+          <a:bodyPr/>
+          <a:lstStyle/>
+          <a:p>
+            <a:r>
+              <a:rPr lang="ru-RU" b="1" dirty="0">
+                <a:solidFill>
+                  <a:schemeClr val="bg1"/>
+                </a:solidFill>
+              </a:rPr>
+              <a:t>Обзор аналогов</a:t>
+            </a:r>
+          </a:p>
+        </p:txBody>
+      </p:sp>
+      <p:graphicFrame>
+        <p:nvGraphicFramePr>
+          <p:cNvPr id="4" name="Таблица 4">
+            <a:extLst>
+              <a:ext uri="{FF2B5EF4-FFF2-40B4-BE49-F238E27FC236}">
+                <a16:creationId xmlns:a16="http://schemas.microsoft.com/office/drawing/2014/main" id="{7BB53F6E-64E1-4930-87C7-4996D0858FC8}"/>
+              </a:ext>
+            </a:extLst>
+          </p:cNvPr>
+          <p:cNvGraphicFramePr>
+            <a:graphicFrameLocks noGrp="1"/>
+          </p:cNvGraphicFramePr>
+          <p:nvPr>
+            <p:ph idx="1"/>
+            <p:extLst>
+              <p:ext uri="{D42A27DB-BD31-4B8C-83A1-F6EECF244321}">
+                <p14:modId xmlns:p14="http://schemas.microsoft.com/office/powerpoint/2010/main" val="2982389272"/>
+              </p:ext>
+            </p:extLst>
+          </p:nvPr>
+        </p:nvGraphicFramePr>
+        <p:xfrm>
+          <a:off x="838200" y="1795145"/>
+          <a:ext cx="10515600" cy="4297680"/>
+        </p:xfrm>
+        <a:graphic>
+          <a:graphicData uri="http://schemas.openxmlformats.org/drawingml/2006/table">
+            <a:tbl>
+              <a:tblPr firstRow="1" bandRow="1">
+                <a:tableStyleId>{22838BEF-8BB2-4498-84A7-C5851F593DF1}</a:tableStyleId>
+              </a:tblPr>
+              <a:tblGrid>
+                <a:gridCol w="1752600">
+                  <a:extLst>
+                    <a:ext uri="{9D8B030D-6E8A-4147-A177-3AD203B41FA5}">
+                      <a16:colId xmlns:a16="http://schemas.microsoft.com/office/drawing/2014/main" val="2781220180"/>
+                    </a:ext>
+                  </a:extLst>
+                </a:gridCol>
+                <a:gridCol w="1595120">
+                  <a:extLst>
+                    <a:ext uri="{9D8B030D-6E8A-4147-A177-3AD203B41FA5}">
+                      <a16:colId xmlns:a16="http://schemas.microsoft.com/office/drawing/2014/main" val="2065241969"/>
+                    </a:ext>
+                  </a:extLst>
+                </a:gridCol>
+                <a:gridCol w="1463040">
+                  <a:extLst>
+                    <a:ext uri="{9D8B030D-6E8A-4147-A177-3AD203B41FA5}">
+                      <a16:colId xmlns:a16="http://schemas.microsoft.com/office/drawing/2014/main" val="3566442269"/>
+                    </a:ext>
+                  </a:extLst>
+                </a:gridCol>
+                <a:gridCol w="1635760">
+                  <a:extLst>
+                    <a:ext uri="{9D8B030D-6E8A-4147-A177-3AD203B41FA5}">
+                      <a16:colId xmlns:a16="http://schemas.microsoft.com/office/drawing/2014/main" val="3741505896"/>
+                    </a:ext>
+                  </a:extLst>
+                </a:gridCol>
+                <a:gridCol w="1564640">
+                  <a:extLst>
+                    <a:ext uri="{9D8B030D-6E8A-4147-A177-3AD203B41FA5}">
+                      <a16:colId xmlns:a16="http://schemas.microsoft.com/office/drawing/2014/main" val="414299580"/>
+                    </a:ext>
+                  </a:extLst>
+                </a:gridCol>
+                <a:gridCol w="2504440">
+                  <a:extLst>
+                    <a:ext uri="{9D8B030D-6E8A-4147-A177-3AD203B41FA5}">
+                      <a16:colId xmlns:a16="http://schemas.microsoft.com/office/drawing/2014/main" val="2362213708"/>
+                    </a:ext>
+                  </a:extLst>
+                </a:gridCol>
+              </a:tblGrid>
+              <a:tr h="370840">
+                <a:tc>
+                  <a:txBody>
+                    <a:bodyPr/>
+                    <a:lstStyle/>
+                    <a:p>
+                      <a:pPr algn="ctr"/>
+                      <a:endParaRPr lang="ru-RU" dirty="0">
+                        <a:solidFill>
+                          <a:schemeClr val="tx1"/>
+                        </a:solidFill>
+                      </a:endParaRPr>
+                    </a:p>
+                  </a:txBody>
+                  <a:tcPr/>
+                </a:tc>
+                <a:tc>
+                  <a:txBody>
+                    <a:bodyPr/>
+                    <a:lstStyle/>
+                    <a:p>
+                      <a:pPr algn="ctr"/>
+                      <a:r>
+                        <a:rPr lang="ru-RU" b="1" dirty="0">
+                          <a:solidFill>
+                            <a:schemeClr val="tx1"/>
+                          </a:solidFill>
+                        </a:rPr>
+                        <a:t>Бесплатный</a:t>
+                      </a:r>
+                    </a:p>
+                  </a:txBody>
+                  <a:tcPr/>
+                </a:tc>
+                <a:tc>
+                  <a:txBody>
+                    <a:bodyPr/>
+                    <a:lstStyle/>
+                    <a:p>
+                      <a:pPr algn="ctr"/>
+                      <a:r>
+                        <a:rPr lang="ru-RU" b="1" dirty="0">
+                          <a:solidFill>
+                            <a:schemeClr val="tx1"/>
+                          </a:solidFill>
+                        </a:rPr>
+                        <a:t>Удобный интерфейс</a:t>
+                      </a:r>
+                    </a:p>
+                  </a:txBody>
+                  <a:tcPr/>
+                </a:tc>
+                <a:tc>
+                  <a:txBody>
+                    <a:bodyPr/>
+                    <a:lstStyle/>
+                    <a:p>
+                      <a:pPr algn="ctr"/>
+                      <a:r>
+                        <a:rPr lang="ru-RU" b="1" dirty="0">
+                          <a:solidFill>
+                            <a:schemeClr val="tx1"/>
+                          </a:solidFill>
+                        </a:rPr>
+                        <a:t>Не требует регистрации</a:t>
+                      </a:r>
+                    </a:p>
+                  </a:txBody>
+                  <a:tcPr/>
+                </a:tc>
+                <a:tc>
+                  <a:txBody>
+                    <a:bodyPr/>
+                    <a:lstStyle/>
+                    <a:p>
+                      <a:pPr algn="ctr"/>
+                      <a:r>
+                        <a:rPr lang="ru-RU" b="1" dirty="0">
+                          <a:solidFill>
+                            <a:schemeClr val="tx1"/>
+                          </a:solidFill>
+                        </a:rPr>
+                        <a:t>Платформа</a:t>
+                      </a:r>
+                    </a:p>
+                  </a:txBody>
+                  <a:tcPr/>
+                </a:tc>
+                <a:tc>
+                  <a:txBody>
+                    <a:bodyPr/>
+                    <a:lstStyle/>
+                    <a:p>
+                      <a:pPr algn="ctr"/>
+                      <a:r>
+                        <a:rPr lang="ru-RU" b="1" dirty="0">
+                          <a:solidFill>
+                            <a:schemeClr val="tx1"/>
+                          </a:solidFill>
+                        </a:rPr>
+                        <a:t>Алгоритм</a:t>
+                      </a:r>
+                    </a:p>
+                  </a:txBody>
+                  <a:tcPr/>
+                </a:tc>
+                <a:extLst>
+                  <a:ext uri="{0D108BD9-81ED-4DB2-BD59-A6C34878D82A}">
+                    <a16:rowId xmlns:a16="http://schemas.microsoft.com/office/drawing/2014/main" val="207533383"/>
+                  </a:ext>
+                </a:extLst>
+              </a:tr>
+              <a:tr h="370840">
+                <a:tc>
+                  <a:txBody>
+                    <a:bodyPr/>
+                    <a:lstStyle/>
+                    <a:p>
+                      <a:pPr algn="ctr"/>
+                      <a:r>
+                        <a:rPr lang="en-US" sz="1800" b="1" dirty="0" err="1">
+                          <a:solidFill>
+                            <a:schemeClr val="tx1"/>
+                          </a:solidFill>
+                        </a:rPr>
+                        <a:t>Visualead</a:t>
+                      </a:r>
+                      <a:endParaRPr lang="ru-RU" b="1" dirty="0">
+                        <a:solidFill>
+                          <a:schemeClr val="tx1"/>
+                        </a:solidFill>
+                      </a:endParaRPr>
+                    </a:p>
+                  </a:txBody>
+                  <a:tcPr/>
+                </a:tc>
+                <a:tc>
+                  <a:txBody>
+                    <a:bodyPr/>
+                    <a:lstStyle/>
+                    <a:p>
+                      <a:pPr algn="ctr"/>
+                      <a:r>
+                        <a:rPr lang="ru-RU" dirty="0">
+                          <a:solidFill>
+                            <a:schemeClr val="tx1"/>
+                          </a:solidFill>
+                        </a:rPr>
+                        <a:t>-</a:t>
+                      </a:r>
+                    </a:p>
+                  </a:txBody>
+                  <a:tcPr/>
+                </a:tc>
+                <a:tc>
+                  <a:txBody>
+                    <a:bodyPr/>
+                    <a:lstStyle/>
+                    <a:p>
+                      <a:pPr algn="ctr"/>
+                      <a:r>
+                        <a:rPr lang="ru-RU" dirty="0">
+                          <a:solidFill>
+                            <a:schemeClr val="tx1"/>
+                          </a:solidFill>
+                        </a:rPr>
+                        <a:t>+</a:t>
+                      </a:r>
+                    </a:p>
+                  </a:txBody>
+                  <a:tcPr/>
+                </a:tc>
+                <a:tc>
+                  <a:txBody>
+                    <a:bodyPr/>
+                    <a:lstStyle/>
+                    <a:p>
+                      <a:pPr algn="ctr"/>
+                      <a:r>
+                        <a:rPr lang="ru-RU" dirty="0">
+                          <a:solidFill>
+                            <a:schemeClr val="tx1"/>
+                          </a:solidFill>
+                        </a:rPr>
+                        <a:t>+</a:t>
+                      </a:r>
+                    </a:p>
+                  </a:txBody>
+                  <a:tcPr/>
+                </a:tc>
+                <a:tc>
+                  <a:txBody>
+                    <a:bodyPr/>
+                    <a:lstStyle/>
+                    <a:p>
+                      <a:pPr algn="ctr"/>
+                      <a:r>
+                        <a:rPr lang="en-US" dirty="0">
+                          <a:solidFill>
+                            <a:schemeClr val="tx1"/>
+                          </a:solidFill>
+                        </a:rPr>
+                        <a:t>Web</a:t>
+                      </a:r>
+                      <a:endParaRPr lang="ru-RU" dirty="0">
+                        <a:solidFill>
+                          <a:schemeClr val="tx1"/>
+                        </a:solidFill>
+                      </a:endParaRPr>
+                    </a:p>
+                  </a:txBody>
+                  <a:tcPr/>
+                </a:tc>
+                <a:tc>
+                  <a:txBody>
+                    <a:bodyPr/>
+                    <a:lstStyle/>
+                    <a:p>
+                      <a:pPr algn="ctr"/>
+                      <a:r>
+                        <a:rPr lang="ru-RU" dirty="0">
+                          <a:solidFill>
+                            <a:schemeClr val="tx1"/>
+                          </a:solidFill>
+                        </a:rPr>
+                        <a:t>Добавление фонового изображения</a:t>
+                      </a:r>
+                    </a:p>
+                  </a:txBody>
+                  <a:tcPr/>
+                </a:tc>
+                <a:extLst>
+                  <a:ext uri="{0D108BD9-81ED-4DB2-BD59-A6C34878D82A}">
+                    <a16:rowId xmlns:a16="http://schemas.microsoft.com/office/drawing/2014/main" val="1104707281"/>
+                  </a:ext>
+                </a:extLst>
+              </a:tr>
+              <a:tr h="370840">
+                <a:tc>
+                  <a:txBody>
+                    <a:bodyPr/>
+                    <a:lstStyle/>
+                    <a:p>
+                      <a:pPr algn="ctr"/>
+                      <a:r>
+                        <a:rPr lang="ru-RU" sz="1800" b="1" dirty="0">
+                          <a:solidFill>
+                            <a:schemeClr val="tx1"/>
+                          </a:solidFill>
+                        </a:rPr>
+                        <a:t>С</a:t>
+                      </a:r>
+                      <a:r>
+                        <a:rPr lang="en-US" sz="1800" b="1" dirty="0" err="1">
+                          <a:solidFill>
+                            <a:schemeClr val="tx1"/>
+                          </a:solidFill>
+                        </a:rPr>
+                        <a:t>reambee</a:t>
+                      </a:r>
+                      <a:endParaRPr lang="ru-RU" b="1" dirty="0">
+                        <a:solidFill>
+                          <a:schemeClr val="tx1"/>
+                        </a:solidFill>
+                      </a:endParaRPr>
+                    </a:p>
+                  </a:txBody>
+                  <a:tcPr/>
+                </a:tc>
+                <a:tc>
+                  <a:txBody>
+                    <a:bodyPr/>
+                    <a:lstStyle/>
+                    <a:p>
+                      <a:pPr algn="ctr"/>
+                      <a:r>
+                        <a:rPr lang="ru-RU" dirty="0">
+                          <a:solidFill>
+                            <a:schemeClr val="tx1"/>
+                          </a:solidFill>
+                        </a:rPr>
+                        <a:t>+</a:t>
+                      </a:r>
+                    </a:p>
+                  </a:txBody>
+                  <a:tcPr/>
+                </a:tc>
+                <a:tc>
+                  <a:txBody>
+                    <a:bodyPr/>
+                    <a:lstStyle/>
+                    <a:p>
+                      <a:pPr algn="ctr"/>
+                      <a:r>
+                        <a:rPr lang="ru-RU" dirty="0">
+                          <a:solidFill>
+                            <a:schemeClr val="tx1"/>
+                          </a:solidFill>
+                        </a:rPr>
+                        <a:t>-</a:t>
+                      </a:r>
+                    </a:p>
+                  </a:txBody>
+                  <a:tcPr/>
+                </a:tc>
+                <a:tc>
+                  <a:txBody>
+                    <a:bodyPr/>
+                    <a:lstStyle/>
+                    <a:p>
+                      <a:pPr algn="ctr"/>
+                      <a:r>
+                        <a:rPr lang="ru-RU" dirty="0">
+                          <a:solidFill>
+                            <a:schemeClr val="tx1"/>
+                          </a:solidFill>
+                        </a:rPr>
+                        <a:t>+</a:t>
+                      </a:r>
+                    </a:p>
+                  </a:txBody>
+                  <a:tcPr/>
+                </a:tc>
+                <a:tc>
+                  <a:txBody>
+                    <a:bodyPr/>
+                    <a:lstStyle/>
+                    <a:p>
+                      <a:pPr algn="ctr"/>
+                      <a:r>
+                        <a:rPr lang="en-US" dirty="0">
+                          <a:solidFill>
+                            <a:schemeClr val="tx1"/>
+                          </a:solidFill>
+                        </a:rPr>
+                        <a:t>Web</a:t>
+                      </a:r>
+                      <a:endParaRPr lang="ru-RU" dirty="0">
+                        <a:solidFill>
+                          <a:schemeClr val="tx1"/>
+                        </a:solidFill>
+                      </a:endParaRPr>
+                    </a:p>
+                  </a:txBody>
+                  <a:tcPr/>
+                </a:tc>
+                <a:tc>
+                  <a:txBody>
+                    <a:bodyPr/>
+                    <a:lstStyle/>
+                    <a:p>
+                      <a:pPr algn="ctr"/>
+                      <a:r>
+                        <a:rPr lang="ru-RU" dirty="0">
+                          <a:solidFill>
+                            <a:schemeClr val="tx1"/>
+                          </a:solidFill>
+                        </a:rPr>
+                        <a:t>Изменение цвета и формы </a:t>
+                      </a:r>
+                    </a:p>
+                  </a:txBody>
+                  <a:tcPr/>
+                </a:tc>
+                <a:extLst>
+                  <a:ext uri="{0D108BD9-81ED-4DB2-BD59-A6C34878D82A}">
+                    <a16:rowId xmlns:a16="http://schemas.microsoft.com/office/drawing/2014/main" val="3977678610"/>
+                  </a:ext>
+                </a:extLst>
+              </a:tr>
+              <a:tr h="370840">
+                <a:tc>
+                  <a:txBody>
+                    <a:bodyPr/>
+                    <a:lstStyle/>
+                    <a:p>
+                      <a:pPr algn="ctr"/>
+                      <a:r>
+                        <a:rPr lang="en-US" sz="1800" b="1" dirty="0" err="1">
+                          <a:solidFill>
+                            <a:schemeClr val="tx1"/>
+                          </a:solidFill>
+                        </a:rPr>
+                        <a:t>qrcode.website</a:t>
+                      </a:r>
+                      <a:endParaRPr lang="ru-RU" b="1" dirty="0">
+                        <a:solidFill>
+                          <a:schemeClr val="tx1"/>
+                        </a:solidFill>
+                      </a:endParaRPr>
+                    </a:p>
+                  </a:txBody>
+                  <a:tcPr/>
+                </a:tc>
+                <a:tc>
+                  <a:txBody>
+                    <a:bodyPr/>
+                    <a:lstStyle/>
+                    <a:p>
+                      <a:pPr algn="ctr"/>
+                      <a:r>
+                        <a:rPr lang="ru-RU" dirty="0">
+                          <a:solidFill>
+                            <a:schemeClr val="tx1"/>
+                          </a:solidFill>
+                        </a:rPr>
+                        <a:t>+</a:t>
+                      </a:r>
+                    </a:p>
+                  </a:txBody>
+                  <a:tcPr/>
+                </a:tc>
+                <a:tc>
+                  <a:txBody>
+                    <a:bodyPr/>
+                    <a:lstStyle/>
+                    <a:p>
+                      <a:pPr algn="ctr"/>
+                      <a:r>
+                        <a:rPr lang="ru-RU" dirty="0">
+                          <a:solidFill>
+                            <a:schemeClr val="tx1"/>
+                          </a:solidFill>
+                        </a:rPr>
+                        <a:t>+</a:t>
+                      </a:r>
+                    </a:p>
+                  </a:txBody>
+                  <a:tcPr/>
+                </a:tc>
+                <a:tc>
+                  <a:txBody>
+                    <a:bodyPr/>
+                    <a:lstStyle/>
+                    <a:p>
+                      <a:pPr algn="ctr"/>
+                      <a:r>
+                        <a:rPr lang="ru-RU" dirty="0">
+                          <a:solidFill>
+                            <a:schemeClr val="tx1"/>
+                          </a:solidFill>
+                        </a:rPr>
+                        <a:t>-</a:t>
+                      </a:r>
+                    </a:p>
+                  </a:txBody>
+                  <a:tcPr/>
+                </a:tc>
+                <a:tc>
+                  <a:txBody>
+                    <a:bodyPr/>
+                    <a:lstStyle/>
+                    <a:p>
+                      <a:pPr algn="ctr"/>
+                      <a:r>
+                        <a:rPr lang="en-US" dirty="0">
+                          <a:solidFill>
+                            <a:schemeClr val="tx1"/>
+                          </a:solidFill>
+                        </a:rPr>
+                        <a:t>Web</a:t>
+                      </a:r>
+                      <a:endParaRPr lang="ru-RU" dirty="0">
+                        <a:solidFill>
+                          <a:schemeClr val="tx1"/>
+                        </a:solidFill>
+                      </a:endParaRPr>
+                    </a:p>
+                  </a:txBody>
+                  <a:tcPr/>
+                </a:tc>
+                <a:tc>
+                  <a:txBody>
+                    <a:bodyPr/>
+                    <a:lstStyle/>
+                    <a:p>
+                      <a:pPr algn="ctr"/>
+                      <a:r>
+                        <a:rPr lang="ru-RU" dirty="0">
+                          <a:solidFill>
+                            <a:schemeClr val="tx1"/>
+                          </a:solidFill>
+                        </a:rPr>
+                        <a:t>Добавление фонового изображения, логотипа, изменение цвета, формы</a:t>
+                      </a:r>
+                    </a:p>
+                  </a:txBody>
+                  <a:tcPr/>
+                </a:tc>
+                <a:extLst>
+                  <a:ext uri="{0D108BD9-81ED-4DB2-BD59-A6C34878D82A}">
+                    <a16:rowId xmlns:a16="http://schemas.microsoft.com/office/drawing/2014/main" val="2191226376"/>
+                  </a:ext>
+                </a:extLst>
+              </a:tr>
+              <a:tr h="370840">
+                <a:tc>
+                  <a:txBody>
+                    <a:bodyPr/>
+                    <a:lstStyle/>
+                    <a:p>
+                      <a:pPr algn="ctr"/>
+                      <a:r>
+                        <a:rPr lang="ru-RU" b="1" dirty="0">
+                          <a:solidFill>
+                            <a:schemeClr val="tx1"/>
+                          </a:solidFill>
+                        </a:rPr>
+                        <a:t>Наш продукт</a:t>
+                      </a:r>
+                    </a:p>
+                  </a:txBody>
+                  <a:tcPr/>
+                </a:tc>
+                <a:tc>
+                  <a:txBody>
+                    <a:bodyPr/>
+                    <a:lstStyle/>
+                    <a:p>
+                      <a:pPr algn="ctr"/>
+                      <a:r>
+                        <a:rPr lang="ru-RU" dirty="0">
+                          <a:solidFill>
+                            <a:schemeClr val="tx1"/>
+                          </a:solidFill>
+                        </a:rPr>
+                        <a:t>+</a:t>
+                      </a:r>
+                    </a:p>
+                  </a:txBody>
+                  <a:tcPr/>
+                </a:tc>
+                <a:tc>
+                  <a:txBody>
+                    <a:bodyPr/>
+                    <a:lstStyle/>
+                    <a:p>
+                      <a:pPr algn="ctr"/>
+                      <a:r>
+                        <a:rPr lang="ru-RU" dirty="0">
+                          <a:solidFill>
+                            <a:schemeClr val="tx1"/>
+                          </a:solidFill>
+                        </a:rPr>
+                        <a:t>+</a:t>
+                      </a:r>
+                    </a:p>
+                  </a:txBody>
+                  <a:tcPr/>
+                </a:tc>
+                <a:tc>
+                  <a:txBody>
+                    <a:bodyPr/>
+                    <a:lstStyle/>
+                    <a:p>
+                      <a:pPr algn="ctr"/>
+                      <a:r>
+                        <a:rPr lang="ru-RU" dirty="0">
+                          <a:solidFill>
+                            <a:schemeClr val="tx1"/>
+                          </a:solidFill>
+                        </a:rPr>
+                        <a:t>+</a:t>
+                      </a:r>
+                    </a:p>
+                  </a:txBody>
+                  <a:tcPr/>
+                </a:tc>
+                <a:tc>
+                  <a:txBody>
+                    <a:bodyPr/>
+                    <a:lstStyle/>
+                    <a:p>
+                      <a:pPr algn="ctr"/>
+                      <a:r>
+                        <a:rPr lang="en-US" dirty="0">
+                          <a:solidFill>
+                            <a:schemeClr val="tx1"/>
+                          </a:solidFill>
+                        </a:rPr>
+                        <a:t>Android</a:t>
+                      </a:r>
+                      <a:endParaRPr lang="ru-RU" dirty="0">
+                        <a:solidFill>
+                          <a:schemeClr val="tx1"/>
+                        </a:solidFill>
+                      </a:endParaRPr>
+                    </a:p>
+                  </a:txBody>
+                  <a:tcPr/>
+                </a:tc>
+                <a:tc>
+                  <a:txBody>
+                    <a:bodyPr/>
+                    <a:lstStyle/>
+                    <a:p>
+                      <a:pPr algn="ctr"/>
+                      <a:r>
+                        <a:rPr lang="ru-RU" dirty="0">
+                          <a:solidFill>
+                            <a:schemeClr val="tx1"/>
+                          </a:solidFill>
+                        </a:rPr>
+                        <a:t>Изменение цвета, формы, добавление логотипа, </a:t>
+                      </a:r>
+                      <a:r>
+                        <a:rPr lang="ru-RU" b="1" dirty="0">
+                          <a:solidFill>
+                            <a:schemeClr val="tx1"/>
+                          </a:solidFill>
+                        </a:rPr>
+                        <a:t>использование стилей </a:t>
+                      </a:r>
+                    </a:p>
+                  </a:txBody>
+                  <a:tcPr/>
+                </a:tc>
+                <a:extLst>
+                  <a:ext uri="{0D108BD9-81ED-4DB2-BD59-A6C34878D82A}">
+                    <a16:rowId xmlns:a16="http://schemas.microsoft.com/office/drawing/2014/main" val="4077427883"/>
+                  </a:ext>
+                </a:extLst>
+              </a:tr>
+            </a:tbl>
+          </a:graphicData>
+        </a:graphic>
+      </p:graphicFrame>
+    </p:spTree>
+    <p:extLst>
+      <p:ext uri="{BB962C8B-B14F-4D97-AF65-F5344CB8AC3E}">
+        <p14:creationId xmlns:p14="http://schemas.microsoft.com/office/powerpoint/2010/main" val="1642772046"/>
+      </p:ext>
+    </p:extLst>
+  </p:cSld>
+  <p:clrMapOvr>
+    <a:masterClrMapping/>
+  </p:clrMapOvr>
+</p:sld>
+</file>
+
+<file path=ppt/slides/slide7.xml><?xml version="1.0" encoding="utf-8"?>
+<p:sld xmlns:a="http://schemas.openxmlformats.org/drawingml/2006/main" xmlns:r="http://schemas.openxmlformats.org/officeDocument/2006/relationships" xmlns:p="http://schemas.openxmlformats.org/presentationml/2006/main">
+  <p:cSld>
+    <p:spTree>
+      <p:nvGrpSpPr>
+        <p:cNvPr id="1" name=""/>
+        <p:cNvGrpSpPr/>
+        <p:nvPr/>
+      </p:nvGrpSpPr>
+      <p:grpSpPr>
+        <a:xfrm>
+          <a:off x="0" y="0"/>
+          <a:ext cx="0" cy="0"/>
+          <a:chOff x="0" y="0"/>
+          <a:chExt cx="0" cy="0"/>
+        </a:xfrm>
+      </p:grpSpPr>
+      <p:sp>
+        <p:nvSpPr>
+          <p:cNvPr id="2" name="Заголовок 1">
+            <a:extLst>
+              <a:ext uri="{FF2B5EF4-FFF2-40B4-BE49-F238E27FC236}">
+                <a16:creationId xmlns:a16="http://schemas.microsoft.com/office/drawing/2014/main" id="{261E7B14-21F7-4B1B-B088-0F4A63979A35}"/>
+              </a:ext>
+            </a:extLst>
+          </p:cNvPr>
+          <p:cNvSpPr>
+            <a:spLocks noGrp="1"/>
+          </p:cNvSpPr>
+          <p:nvPr>
+            <p:ph type="title"/>
+          </p:nvPr>
+        </p:nvSpPr>
+        <p:spPr/>
+        <p:txBody>
+          <a:bodyPr/>
+          <a:lstStyle/>
+          <a:p>
+            <a:r>
+              <a:rPr lang="ru-RU" b="1" dirty="0">
+                <a:solidFill>
+                  <a:schemeClr val="bg1"/>
+                </a:solidFill>
+              </a:rPr>
+              <a:t>Принцип работы</a:t>
+            </a:r>
+          </a:p>
+        </p:txBody>
+      </p:sp>
+      <p:pic>
+        <p:nvPicPr>
+          <p:cNvPr id="5" name="Рисунок 4">
+            <a:extLst>
+              <a:ext uri="{FF2B5EF4-FFF2-40B4-BE49-F238E27FC236}">
+                <a16:creationId xmlns:a16="http://schemas.microsoft.com/office/drawing/2014/main" id="{DB99A0BF-23B7-4B36-8786-AAB75C025BE9}"/>
+              </a:ext>
+            </a:extLst>
+          </p:cNvPr>
+          <p:cNvPicPr>
+            <a:picLocks noChangeAspect="1"/>
+          </p:cNvPicPr>
+          <p:nvPr/>
+        </p:nvPicPr>
+        <p:blipFill>
+          <a:blip r:embed="rId2"/>
+          <a:stretch>
+            <a:fillRect/>
+          </a:stretch>
+        </p:blipFill>
+        <p:spPr>
+          <a:xfrm>
+            <a:off x="8462917" y="2369827"/>
+            <a:ext cx="2904220" cy="2818801"/>
+          </a:xfrm>
+          <a:prstGeom prst="rect">
+            <a:avLst/>
+          </a:prstGeom>
+        </p:spPr>
+      </p:pic>
+      <p:pic>
+        <p:nvPicPr>
+          <p:cNvPr id="1026" name="Picture 2" descr="Как создать QR-код с логотипом внутри? – 1 Ответ">
+            <a:extLst>
+              <a:ext uri="{FF2B5EF4-FFF2-40B4-BE49-F238E27FC236}">
+                <a16:creationId xmlns:a16="http://schemas.microsoft.com/office/drawing/2014/main" id="{4833308D-05CE-4872-A7AC-9C3EC7962882}"/>
+              </a:ext>
+            </a:extLst>
+          </p:cNvPr>
+          <p:cNvPicPr>
+            <a:picLocks noGrp="1" noChangeAspect="1" noChangeArrowheads="1"/>
+          </p:cNvPicPr>
+          <p:nvPr>
+            <p:ph idx="1"/>
+          </p:nvPr>
+        </p:nvPicPr>
+        <p:blipFill>
+          <a:blip r:embed="rId3">
+            <a:extLst>
+              <a:ext uri="{28A0092B-C50C-407E-A947-70E740481C1C}">
+                <a14:useLocalDpi xmlns:a14="http://schemas.microsoft.com/office/drawing/2010/main" val="0"/>
+              </a:ext>
+            </a:extLst>
+          </a:blip>
+          <a:srcRect/>
+          <a:stretch>
+            <a:fillRect/>
+          </a:stretch>
+        </p:blipFill>
+        <p:spPr bwMode="auto">
+          <a:xfrm>
+            <a:off x="4816518" y="2369827"/>
+            <a:ext cx="2818801" cy="2818801"/>
+          </a:xfrm>
+          <a:prstGeom prst="rect">
+            <a:avLst/>
+          </a:prstGeom>
+          <a:noFill/>
+          <a:extLst>
+            <a:ext uri="{909E8E84-426E-40DD-AFC4-6F175D3DCCD1}">
+              <a14:hiddenFill xmlns:a14="http://schemas.microsoft.com/office/drawing/2010/main">
+                <a:solidFill>
+                  <a:srgbClr val="FFFFFF"/>
+                </a:solidFill>
+              </a14:hiddenFill>
+            </a:ext>
+          </a:extLst>
+        </p:spPr>
+      </p:pic>
+      <p:pic>
+        <p:nvPicPr>
+          <p:cNvPr id="7" name="Рисунок 6">
+            <a:extLst>
+              <a:ext uri="{FF2B5EF4-FFF2-40B4-BE49-F238E27FC236}">
+                <a16:creationId xmlns:a16="http://schemas.microsoft.com/office/drawing/2014/main" id="{D7ADEF0C-4AB7-4B57-AAD0-810457501BA7}"/>
+              </a:ext>
+            </a:extLst>
+          </p:cNvPr>
+          <p:cNvPicPr>
+            <a:picLocks noChangeAspect="1"/>
+          </p:cNvPicPr>
+          <p:nvPr/>
+        </p:nvPicPr>
+        <p:blipFill>
+          <a:blip r:embed="rId4"/>
+          <a:stretch>
+            <a:fillRect/>
+          </a:stretch>
+        </p:blipFill>
+        <p:spPr>
+          <a:xfrm>
+            <a:off x="1093265" y="2369827"/>
+            <a:ext cx="2844821" cy="2818801"/>
+          </a:xfrm>
+          <a:prstGeom prst="rect">
+            <a:avLst/>
+          </a:prstGeom>
+        </p:spPr>
+      </p:pic>
+    </p:spTree>
+    <p:extLst>
+      <p:ext uri="{BB962C8B-B14F-4D97-AF65-F5344CB8AC3E}">
+        <p14:creationId xmlns:p14="http://schemas.microsoft.com/office/powerpoint/2010/main" val="437564035"/>
+      </p:ext>
+    </p:extLst>
+  </p:cSld>
+  <p:clrMapOvr>
+    <a:masterClrMapping/>
+  </p:clrMapOvr>
+</p:sld>
+</file>
+
+<file path=ppt/slides/slide8.xml><?xml version="1.0" encoding="utf-8"?>
+<p:sld xmlns:a="http://schemas.openxmlformats.org/drawingml/2006/main" xmlns:r="http://schemas.openxmlformats.org/officeDocument/2006/relationships" xmlns:p="http://schemas.openxmlformats.org/presentationml/2006/main">
+  <p:cSld>
+    <p:spTree>
+      <p:nvGrpSpPr>
+        <p:cNvPr id="1" name=""/>
+        <p:cNvGrpSpPr/>
+        <p:nvPr/>
+      </p:nvGrpSpPr>
+      <p:grpSpPr>
+        <a:xfrm>
+          <a:off x="0" y="0"/>
+          <a:ext cx="0" cy="0"/>
+          <a:chOff x="0" y="0"/>
+          <a:chExt cx="0" cy="0"/>
+        </a:xfrm>
+      </p:grpSpPr>
+      <p:sp>
+        <p:nvSpPr>
+          <p:cNvPr id="2" name="Заголовок 1">
+            <a:extLst>
+              <a:ext uri="{FF2B5EF4-FFF2-40B4-BE49-F238E27FC236}">
+                <a16:creationId xmlns:a16="http://schemas.microsoft.com/office/drawing/2014/main" id="{261E7B14-21F7-4B1B-B088-0F4A63979A35}"/>
+              </a:ext>
+            </a:extLst>
+          </p:cNvPr>
+          <p:cNvSpPr>
+            <a:spLocks noGrp="1"/>
+          </p:cNvSpPr>
+          <p:nvPr>
+            <p:ph type="title"/>
+          </p:nvPr>
+        </p:nvSpPr>
+        <p:spPr/>
+        <p:txBody>
+          <a:bodyPr/>
+          <a:lstStyle/>
+          <a:p>
+            <a:r>
+              <a:rPr lang="ru-RU" b="1" dirty="0">
+                <a:solidFill>
+                  <a:schemeClr val="bg1"/>
+                </a:solidFill>
+              </a:rPr>
+              <a:t>Средства реализации</a:t>
+            </a:r>
+          </a:p>
+        </p:txBody>
+      </p:sp>
+      <p:sp>
+        <p:nvSpPr>
+          <p:cNvPr id="3" name="Объект 2">
+            <a:extLst>
+              <a:ext uri="{FF2B5EF4-FFF2-40B4-BE49-F238E27FC236}">
+                <a16:creationId xmlns:a16="http://schemas.microsoft.com/office/drawing/2014/main" id="{2F18BBB8-31B6-47C0-A001-7D69B7C2EDDC}"/>
+              </a:ext>
+            </a:extLst>
+          </p:cNvPr>
+          <p:cNvSpPr>
+            <a:spLocks noGrp="1"/>
+          </p:cNvSpPr>
+          <p:nvPr>
+            <p:ph idx="1"/>
+          </p:nvPr>
+        </p:nvSpPr>
+        <p:spPr>
+          <a:xfrm>
+            <a:off x="838200" y="1825624"/>
+            <a:ext cx="10515600" cy="2407601"/>
+          </a:xfrm>
+        </p:spPr>
+        <p:txBody>
+          <a:bodyPr>
+            <a:normAutofit/>
+          </a:bodyPr>
+          <a:lstStyle/>
+          <a:p>
+            <a:pPr marL="0" indent="0">
+              <a:buNone/>
+            </a:pPr>
+            <a:r>
+              <a:rPr lang="ru-RU" dirty="0">
+                <a:solidFill>
+                  <a:schemeClr val="bg1"/>
+                </a:solidFill>
+              </a:rPr>
+              <a:t>ЯП: </a:t>
+            </a:r>
+            <a:r>
+              <a:rPr lang="en-US" dirty="0">
+                <a:solidFill>
+                  <a:schemeClr val="bg1"/>
+                </a:solidFill>
+              </a:rPr>
+              <a:t>Java</a:t>
+            </a:r>
+          </a:p>
+          <a:p>
+            <a:pPr marL="0" indent="0">
+              <a:buNone/>
+            </a:pPr>
+            <a:r>
+              <a:rPr lang="en-US" dirty="0">
+                <a:solidFill>
+                  <a:schemeClr val="bg1"/>
+                </a:solidFill>
+              </a:rPr>
+              <a:t>IDE: Android Studio</a:t>
+            </a:r>
+          </a:p>
+          <a:p>
+            <a:pPr marL="0" indent="0">
+              <a:buNone/>
+            </a:pPr>
+            <a:r>
+              <a:rPr lang="ru-RU" dirty="0">
+                <a:solidFill>
+                  <a:schemeClr val="bg1"/>
+                </a:solidFill>
+              </a:rPr>
+              <a:t>Библиотеки: </a:t>
+            </a:r>
+            <a:r>
+              <a:rPr lang="en-US" dirty="0" err="1">
+                <a:solidFill>
+                  <a:schemeClr val="bg1"/>
+                </a:solidFill>
+              </a:rPr>
+              <a:t>QRGenerator</a:t>
+            </a:r>
+            <a:endParaRPr lang="ru-RU" dirty="0">
+              <a:solidFill>
+                <a:schemeClr val="bg1"/>
+              </a:solidFill>
+            </a:endParaRPr>
+          </a:p>
+        </p:txBody>
+      </p:sp>
+      <p:pic>
+        <p:nvPicPr>
+          <p:cNvPr id="3074" name="Picture 2">
+            <a:extLst>
+              <a:ext uri="{FF2B5EF4-FFF2-40B4-BE49-F238E27FC236}">
+                <a16:creationId xmlns:a16="http://schemas.microsoft.com/office/drawing/2014/main" id="{004BF745-089E-42E2-9C01-A5E0BB738C2A}"/>
+              </a:ext>
+            </a:extLst>
+          </p:cNvPr>
+          <p:cNvPicPr>
+            <a:picLocks noChangeAspect="1" noChangeArrowheads="1"/>
+          </p:cNvPicPr>
+          <p:nvPr/>
+        </p:nvPicPr>
+        <p:blipFill>
+          <a:blip r:embed="rId2">
+            <a:extLst>
+              <a:ext uri="{28A0092B-C50C-407E-A947-70E740481C1C}">
+                <a14:useLocalDpi xmlns:a14="http://schemas.microsoft.com/office/drawing/2010/main" val="0"/>
+              </a:ext>
+            </a:extLst>
+          </a:blip>
+          <a:srcRect/>
+          <a:stretch>
+            <a:fillRect/>
+          </a:stretch>
+        </p:blipFill>
+        <p:spPr bwMode="auto">
+          <a:xfrm>
+            <a:off x="563880" y="3769359"/>
+            <a:ext cx="2407603" cy="2407603"/>
+          </a:xfrm>
+          <a:prstGeom prst="rect">
+            <a:avLst/>
+          </a:prstGeom>
+          <a:noFill/>
+          <a:extLst>
+            <a:ext uri="{909E8E84-426E-40DD-AFC4-6F175D3DCCD1}">
+              <a14:hiddenFill xmlns:a14="http://schemas.microsoft.com/office/drawing/2010/main">
+                <a:solidFill>
+                  <a:srgbClr val="FFFFFF"/>
+                </a:solidFill>
+              </a14:hiddenFill>
+            </a:ext>
+          </a:extLst>
+        </p:spPr>
+      </p:pic>
+      <p:pic>
+        <p:nvPicPr>
+          <p:cNvPr id="3076" name="Picture 4">
+            <a:extLst>
+              <a:ext uri="{FF2B5EF4-FFF2-40B4-BE49-F238E27FC236}">
+                <a16:creationId xmlns:a16="http://schemas.microsoft.com/office/drawing/2014/main" id="{417FB13D-977D-4F14-9B21-BE10E8BC3F4D}"/>
+              </a:ext>
+            </a:extLst>
+          </p:cNvPr>
+          <p:cNvPicPr>
+            <a:picLocks noChangeAspect="1" noChangeArrowheads="1"/>
+          </p:cNvPicPr>
+          <p:nvPr/>
+        </p:nvPicPr>
+        <p:blipFill>
+          <a:blip r:embed="rId3">
+            <a:extLst>
+              <a:ext uri="{28A0092B-C50C-407E-A947-70E740481C1C}">
+                <a14:useLocalDpi xmlns:a14="http://schemas.microsoft.com/office/drawing/2010/main" val="0"/>
+              </a:ext>
+            </a:extLst>
+          </a:blip>
+          <a:srcRect/>
+          <a:stretch>
+            <a:fillRect/>
+          </a:stretch>
+        </p:blipFill>
+        <p:spPr bwMode="auto">
+          <a:xfrm>
+            <a:off x="3368041" y="4233225"/>
+            <a:ext cx="1943737" cy="1943737"/>
+          </a:xfrm>
+          <a:prstGeom prst="rect">
+            <a:avLst/>
+          </a:prstGeom>
+          <a:noFill/>
+          <a:extLst>
+            <a:ext uri="{909E8E84-426E-40DD-AFC4-6F175D3DCCD1}">
+              <a14:hiddenFill xmlns:a14="http://schemas.microsoft.com/office/drawing/2010/main">
+                <a:solidFill>
+                  <a:srgbClr val="FFFFFF"/>
+                </a:solidFill>
+              </a14:hiddenFill>
+            </a:ext>
+          </a:extLst>
+        </p:spPr>
+      </p:pic>
+    </p:spTree>
+    <p:extLst>
+      <p:ext uri="{BB962C8B-B14F-4D97-AF65-F5344CB8AC3E}">
+        <p14:creationId xmlns:p14="http://schemas.microsoft.com/office/powerpoint/2010/main" val="602479066"/>
+      </p:ext>
+    </p:extLst>
+  </p:cSld>
+  <p:clrMapOvr>
+    <a:masterClrMapping/>
+  </p:clrMapOvr>
+</p:sld>
+</file>
+
+<file path=ppt/slides/slide9.xml><?xml version="1.0" encoding="utf-8"?>
+<p:sld xmlns:a="http://schemas.openxmlformats.org/drawingml/2006/main" xmlns:r="http://schemas.openxmlformats.org/officeDocument/2006/relationships" xmlns:p="http://schemas.openxmlformats.org/presentationml/2006/main">
+  <p:cSld>
+    <p:spTree>
+      <p:nvGrpSpPr>
+        <p:cNvPr id="1" name=""/>
+        <p:cNvGrpSpPr/>
+        <p:nvPr/>
+      </p:nvGrpSpPr>
+      <p:grpSpPr>
+        <a:xfrm>
+          <a:off x="0" y="0"/>
+          <a:ext cx="0" cy="0"/>
+          <a:chOff x="0" y="0"/>
+          <a:chExt cx="0" cy="0"/>
+        </a:xfrm>
+      </p:grpSpPr>
+      <p:sp>
+        <p:nvSpPr>
+          <p:cNvPr id="2" name="Заголовок 1">
+            <a:extLst>
+              <a:ext uri="{FF2B5EF4-FFF2-40B4-BE49-F238E27FC236}">
+                <a16:creationId xmlns:a16="http://schemas.microsoft.com/office/drawing/2014/main" id="{261E7B14-21F7-4B1B-B088-0F4A63979A35}"/>
+              </a:ext>
+            </a:extLst>
+          </p:cNvPr>
+          <p:cNvSpPr>
+            <a:spLocks noGrp="1"/>
+          </p:cNvSpPr>
+          <p:nvPr>
+            <p:ph type="title"/>
+          </p:nvPr>
+        </p:nvSpPr>
+        <p:spPr/>
+        <p:txBody>
+          <a:bodyPr/>
+          <a:lstStyle/>
+          <a:p>
+            <a:r>
+              <a:rPr lang="ru-RU" b="1" dirty="0">
+                <a:solidFill>
+                  <a:schemeClr val="bg1"/>
+                </a:solidFill>
+              </a:rPr>
+              <a:t>Результат</a:t>
+            </a:r>
+          </a:p>
+        </p:txBody>
+      </p:sp>
+      <p:sp>
+        <p:nvSpPr>
+          <p:cNvPr id="3" name="Объект 2">
+            <a:extLst>
+              <a:ext uri="{FF2B5EF4-FFF2-40B4-BE49-F238E27FC236}">
+                <a16:creationId xmlns:a16="http://schemas.microsoft.com/office/drawing/2014/main" id="{2F18BBB8-31B6-47C0-A001-7D69B7C2EDDC}"/>
+              </a:ext>
+            </a:extLst>
+          </p:cNvPr>
+          <p:cNvSpPr>
+            <a:spLocks noGrp="1"/>
+          </p:cNvSpPr>
+          <p:nvPr>
+            <p:ph idx="1"/>
+          </p:nvPr>
+        </p:nvSpPr>
+        <p:spPr/>
+        <p:txBody>
+          <a:bodyPr/>
+          <a:lstStyle/>
+          <a:p>
+            <a:endParaRPr lang="ru-RU"/>
+          </a:p>
+        </p:txBody>
+      </p:sp>
+    </p:spTree>
+    <p:extLst>
+      <p:ext uri="{BB962C8B-B14F-4D97-AF65-F5344CB8AC3E}">
+        <p14:creationId xmlns:p14="http://schemas.microsoft.com/office/powerpoint/2010/main" val="3373383176"/>
       </p:ext>
     </p:extLst>
   </p:cSld>

--- a/Presentation.pptx
+++ b/Presentation.pptx
@@ -268,7 +268,7 @@
           <a:p>
             <a:fld id="{6BA57916-DF66-4AA4-BC5D-2EA46E93B2DC}" type="datetimeFigureOut">
               <a:rPr lang="ru-RU" smtClean="0"/>
-              <a:t>01.06.2021</a:t>
+              <a:t>04.06.2021</a:t>
             </a:fld>
             <a:endParaRPr lang="ru-RU"/>
           </a:p>
@@ -466,7 +466,7 @@
           <a:p>
             <a:fld id="{6BA57916-DF66-4AA4-BC5D-2EA46E93B2DC}" type="datetimeFigureOut">
               <a:rPr lang="ru-RU" smtClean="0"/>
-              <a:t>01.06.2021</a:t>
+              <a:t>04.06.2021</a:t>
             </a:fld>
             <a:endParaRPr lang="ru-RU"/>
           </a:p>
@@ -674,7 +674,7 @@
           <a:p>
             <a:fld id="{6BA57916-DF66-4AA4-BC5D-2EA46E93B2DC}" type="datetimeFigureOut">
               <a:rPr lang="ru-RU" smtClean="0"/>
-              <a:t>01.06.2021</a:t>
+              <a:t>04.06.2021</a:t>
             </a:fld>
             <a:endParaRPr lang="ru-RU"/>
           </a:p>
@@ -872,7 +872,7 @@
           <a:p>
             <a:fld id="{6BA57916-DF66-4AA4-BC5D-2EA46E93B2DC}" type="datetimeFigureOut">
               <a:rPr lang="ru-RU" smtClean="0"/>
-              <a:t>01.06.2021</a:t>
+              <a:t>04.06.2021</a:t>
             </a:fld>
             <a:endParaRPr lang="ru-RU"/>
           </a:p>
@@ -1147,7 +1147,7 @@
           <a:p>
             <a:fld id="{6BA57916-DF66-4AA4-BC5D-2EA46E93B2DC}" type="datetimeFigureOut">
               <a:rPr lang="ru-RU" smtClean="0"/>
-              <a:t>01.06.2021</a:t>
+              <a:t>04.06.2021</a:t>
             </a:fld>
             <a:endParaRPr lang="ru-RU"/>
           </a:p>
@@ -1412,7 +1412,7 @@
           <a:p>
             <a:fld id="{6BA57916-DF66-4AA4-BC5D-2EA46E93B2DC}" type="datetimeFigureOut">
               <a:rPr lang="ru-RU" smtClean="0"/>
-              <a:t>01.06.2021</a:t>
+              <a:t>04.06.2021</a:t>
             </a:fld>
             <a:endParaRPr lang="ru-RU"/>
           </a:p>
@@ -1824,7 +1824,7 @@
           <a:p>
             <a:fld id="{6BA57916-DF66-4AA4-BC5D-2EA46E93B2DC}" type="datetimeFigureOut">
               <a:rPr lang="ru-RU" smtClean="0"/>
-              <a:t>01.06.2021</a:t>
+              <a:t>04.06.2021</a:t>
             </a:fld>
             <a:endParaRPr lang="ru-RU"/>
           </a:p>
@@ -1965,7 +1965,7 @@
           <a:p>
             <a:fld id="{6BA57916-DF66-4AA4-BC5D-2EA46E93B2DC}" type="datetimeFigureOut">
               <a:rPr lang="ru-RU" smtClean="0"/>
-              <a:t>01.06.2021</a:t>
+              <a:t>04.06.2021</a:t>
             </a:fld>
             <a:endParaRPr lang="ru-RU"/>
           </a:p>
@@ -2078,7 +2078,7 @@
           <a:p>
             <a:fld id="{6BA57916-DF66-4AA4-BC5D-2EA46E93B2DC}" type="datetimeFigureOut">
               <a:rPr lang="ru-RU" smtClean="0"/>
-              <a:t>01.06.2021</a:t>
+              <a:t>04.06.2021</a:t>
             </a:fld>
             <a:endParaRPr lang="ru-RU"/>
           </a:p>
@@ -2389,7 +2389,7 @@
           <a:p>
             <a:fld id="{6BA57916-DF66-4AA4-BC5D-2EA46E93B2DC}" type="datetimeFigureOut">
               <a:rPr lang="ru-RU" smtClean="0"/>
-              <a:t>01.06.2021</a:t>
+              <a:t>04.06.2021</a:t>
             </a:fld>
             <a:endParaRPr lang="ru-RU"/>
           </a:p>
@@ -2677,7 +2677,7 @@
           <a:p>
             <a:fld id="{6BA57916-DF66-4AA4-BC5D-2EA46E93B2DC}" type="datetimeFigureOut">
               <a:rPr lang="ru-RU" smtClean="0"/>
-              <a:t>01.06.2021</a:t>
+              <a:t>04.06.2021</a:t>
             </a:fld>
             <a:endParaRPr lang="ru-RU"/>
           </a:p>
@@ -2921,7 +2921,7 @@
           <a:p>
             <a:fld id="{6BA57916-DF66-4AA4-BC5D-2EA46E93B2DC}" type="datetimeFigureOut">
               <a:rPr lang="ru-RU" smtClean="0"/>
-              <a:t>01.06.2021</a:t>
+              <a:t>04.06.2021</a:t>
             </a:fld>
             <a:endParaRPr lang="ru-RU"/>
           </a:p>
@@ -5107,7 +5107,7 @@
             <p:ph idx="1"/>
             <p:extLst>
               <p:ext uri="{D42A27DB-BD31-4B8C-83A1-F6EECF244321}">
-                <p14:modId xmlns:p14="http://schemas.microsoft.com/office/powerpoint/2010/main" val="2982389272"/>
+                <p14:modId xmlns:p14="http://schemas.microsoft.com/office/powerpoint/2010/main" val="1214226401"/>
               </p:ext>
             </p:extLst>
           </p:nvPr>
@@ -5173,11 +5173,14 @@
                     <a:lstStyle/>
                     <a:p>
                       <a:pPr algn="ctr"/>
-                      <a:endParaRPr lang="ru-RU" dirty="0">
-                        <a:solidFill>
-                          <a:schemeClr val="tx1"/>
-                        </a:solidFill>
-                      </a:endParaRPr>
+                      <a:r>
+                        <a:rPr lang="ru-RU" dirty="0">
+                          <a:solidFill>
+                            <a:schemeClr val="tx1"/>
+                          </a:solidFill>
+                        </a:rPr>
+                        <a:t>Критерии</a:t>
+                      </a:r>
                     </a:p>
                   </a:txBody>
                   <a:tcPr/>
